--- a/Transience in InfoSec Data - Databricks Notebook.pptx
+++ b/Transience in InfoSec Data - Databricks Notebook.pptx
@@ -6,22 +6,23 @@
     <p:sldMasterId id="2147483684" r:id="rId5"/>
   </p:sldMasterIdLst>
   <p:notesMasterIdLst>
-    <p:notesMasterId r:id="rId19"/>
+    <p:notesMasterId r:id="rId20"/>
   </p:notesMasterIdLst>
   <p:sldIdLst>
     <p:sldId id="256" r:id="rId6"/>
-    <p:sldId id="295" r:id="rId7"/>
-    <p:sldId id="293" r:id="rId8"/>
-    <p:sldId id="262" r:id="rId9"/>
-    <p:sldId id="289" r:id="rId10"/>
-    <p:sldId id="271" r:id="rId11"/>
-    <p:sldId id="284" r:id="rId12"/>
-    <p:sldId id="294" r:id="rId13"/>
-    <p:sldId id="265" r:id="rId14"/>
-    <p:sldId id="297" r:id="rId15"/>
-    <p:sldId id="291" r:id="rId16"/>
-    <p:sldId id="267" r:id="rId17"/>
-    <p:sldId id="279" r:id="rId18"/>
+    <p:sldId id="298" r:id="rId7"/>
+    <p:sldId id="295" r:id="rId8"/>
+    <p:sldId id="293" r:id="rId9"/>
+    <p:sldId id="262" r:id="rId10"/>
+    <p:sldId id="289" r:id="rId11"/>
+    <p:sldId id="271" r:id="rId12"/>
+    <p:sldId id="284" r:id="rId13"/>
+    <p:sldId id="294" r:id="rId14"/>
+    <p:sldId id="265" r:id="rId15"/>
+    <p:sldId id="297" r:id="rId16"/>
+    <p:sldId id="291" r:id="rId17"/>
+    <p:sldId id="267" r:id="rId18"/>
+    <p:sldId id="279" r:id="rId19"/>
   </p:sldIdLst>
   <p:sldSz cx="12192000" cy="6858000"/>
   <p:notesSz cx="6858000" cy="9144000"/>
@@ -131,8 +132,7 @@
 <file path=ppt/revisionInfo.xml><?xml version="1.0" encoding="utf-8"?>
 <p1510:revInfo xmlns:a="http://schemas.openxmlformats.org/drawingml/2006/main" xmlns:r="http://schemas.openxmlformats.org/officeDocument/2006/relationships" xmlns:p1510="http://schemas.microsoft.com/office/powerpoint/2015/10/main">
   <p1510:revLst>
-    <p1510:client id="{5BEA1139-ED9A-4EE9-B4B0-6F3A0C2CA350}" v="2079" dt="2020-05-06T23:18:58.516"/>
-    <p1510:client id="{AFEE0202-40C7-4D06-BBE1-CE1F22645A1D}" v="1" dt="2020-05-06T23:49:53.650"/>
+    <p1510:client id="{AFEE0202-40C7-4D06-BBE1-CE1F22645A1D}" v="448" dt="2020-05-08T16:28:20.697"/>
   </p1510:revLst>
 </p1510:revInfo>
 </file>
@@ -141,11 +141,179 @@
 <pc:chgInfo xmlns:a="http://schemas.openxmlformats.org/drawingml/2006/main" xmlns:r="http://schemas.openxmlformats.org/officeDocument/2006/relationships" xmlns:ac="http://schemas.microsoft.com/office/drawing/2013/main/command" xmlns:pc="http://schemas.microsoft.com/office/powerpoint/2013/main/command">
   <pc:docChgLst>
     <pc:chgData name="Daniel Tetrick" userId="a2df512e-642a-440b-a947-52063eaf0d22" providerId="ADAL" clId="{AFEE0202-40C7-4D06-BBE1-CE1F22645A1D}"/>
-    <pc:docChg chg="custSel modSld">
-      <pc:chgData name="Daniel Tetrick" userId="a2df512e-642a-440b-a947-52063eaf0d22" providerId="ADAL" clId="{AFEE0202-40C7-4D06-BBE1-CE1F22645A1D}" dt="2020-05-06T23:49:53.650" v="1"/>
+    <pc:docChg chg="undo custSel addSld modSld">
+      <pc:chgData name="Daniel Tetrick" userId="a2df512e-642a-440b-a947-52063eaf0d22" providerId="ADAL" clId="{AFEE0202-40C7-4D06-BBE1-CE1F22645A1D}" dt="2020-05-08T16:24:54.698" v="940" actId="20577"/>
       <pc:docMkLst>
         <pc:docMk/>
       </pc:docMkLst>
+      <pc:sldChg chg="modSp mod">
+        <pc:chgData name="Daniel Tetrick" userId="a2df512e-642a-440b-a947-52063eaf0d22" providerId="ADAL" clId="{AFEE0202-40C7-4D06-BBE1-CE1F22645A1D}" dt="2020-05-08T15:22:15.090" v="112" actId="14100"/>
+        <pc:sldMkLst>
+          <pc:docMk/>
+          <pc:sldMk cId="236495545" sldId="256"/>
+        </pc:sldMkLst>
+        <pc:spChg chg="mod">
+          <ac:chgData name="Daniel Tetrick" userId="a2df512e-642a-440b-a947-52063eaf0d22" providerId="ADAL" clId="{AFEE0202-40C7-4D06-BBE1-CE1F22645A1D}" dt="2020-05-08T15:22:15.090" v="112" actId="14100"/>
+          <ac:spMkLst>
+            <pc:docMk/>
+            <pc:sldMk cId="236495545" sldId="256"/>
+            <ac:spMk id="3" creationId="{DC9D490A-9F32-4963-8E5F-D90CBAFEE431}"/>
+          </ac:spMkLst>
+        </pc:spChg>
+      </pc:sldChg>
+      <pc:sldChg chg="modSp mod modNotesTx">
+        <pc:chgData name="Daniel Tetrick" userId="a2df512e-642a-440b-a947-52063eaf0d22" providerId="ADAL" clId="{AFEE0202-40C7-4D06-BBE1-CE1F22645A1D}" dt="2020-05-08T16:15:57.592" v="872" actId="6549"/>
+        <pc:sldMkLst>
+          <pc:docMk/>
+          <pc:sldMk cId="2110727572" sldId="262"/>
+        </pc:sldMkLst>
+        <pc:spChg chg="mod">
+          <ac:chgData name="Daniel Tetrick" userId="a2df512e-642a-440b-a947-52063eaf0d22" providerId="ADAL" clId="{AFEE0202-40C7-4D06-BBE1-CE1F22645A1D}" dt="2020-05-08T16:15:42.812" v="871" actId="313"/>
+          <ac:spMkLst>
+            <pc:docMk/>
+            <pc:sldMk cId="2110727572" sldId="262"/>
+            <ac:spMk id="4" creationId="{E05125C4-966E-483F-BBA5-F3500722A984}"/>
+          </ac:spMkLst>
+        </pc:spChg>
+      </pc:sldChg>
+      <pc:sldChg chg="modNotesTx">
+        <pc:chgData name="Daniel Tetrick" userId="a2df512e-642a-440b-a947-52063eaf0d22" providerId="ADAL" clId="{AFEE0202-40C7-4D06-BBE1-CE1F22645A1D}" dt="2020-05-08T16:16:29.385" v="877" actId="6549"/>
+        <pc:sldMkLst>
+          <pc:docMk/>
+          <pc:sldMk cId="228518821" sldId="265"/>
+        </pc:sldMkLst>
+      </pc:sldChg>
+      <pc:sldChg chg="modSp mod modAnim modNotesTx">
+        <pc:chgData name="Daniel Tetrick" userId="a2df512e-642a-440b-a947-52063eaf0d22" providerId="ADAL" clId="{AFEE0202-40C7-4D06-BBE1-CE1F22645A1D}" dt="2020-05-08T16:21:40.505" v="913" actId="20577"/>
+        <pc:sldMkLst>
+          <pc:docMk/>
+          <pc:sldMk cId="2859753879" sldId="271"/>
+        </pc:sldMkLst>
+        <pc:spChg chg="mod">
+          <ac:chgData name="Daniel Tetrick" userId="a2df512e-642a-440b-a947-52063eaf0d22" providerId="ADAL" clId="{AFEE0202-40C7-4D06-BBE1-CE1F22645A1D}" dt="2020-05-08T16:21:13.636" v="910" actId="20577"/>
+          <ac:spMkLst>
+            <pc:docMk/>
+            <pc:sldMk cId="2859753879" sldId="271"/>
+            <ac:spMk id="13" creationId="{3B9BE802-4233-41AD-8222-EFF8ECAE19A1}"/>
+          </ac:spMkLst>
+        </pc:spChg>
+        <pc:spChg chg="mod">
+          <ac:chgData name="Daniel Tetrick" userId="a2df512e-642a-440b-a947-52063eaf0d22" providerId="ADAL" clId="{AFEE0202-40C7-4D06-BBE1-CE1F22645A1D}" dt="2020-05-08T16:21:40.505" v="913" actId="20577"/>
+          <ac:spMkLst>
+            <pc:docMk/>
+            <pc:sldMk cId="2859753879" sldId="271"/>
+            <ac:spMk id="23" creationId="{BA1DD978-2D08-4598-87A4-BD2D5C75BAD0}"/>
+          </ac:spMkLst>
+        </pc:spChg>
+      </pc:sldChg>
+      <pc:sldChg chg="modNotesTx">
+        <pc:chgData name="Daniel Tetrick" userId="a2df512e-642a-440b-a947-52063eaf0d22" providerId="ADAL" clId="{AFEE0202-40C7-4D06-BBE1-CE1F22645A1D}" dt="2020-05-08T16:16:21.067" v="875" actId="6549"/>
+        <pc:sldMkLst>
+          <pc:docMk/>
+          <pc:sldMk cId="3728255294" sldId="284"/>
+        </pc:sldMkLst>
+      </pc:sldChg>
+      <pc:sldChg chg="modSp mod modNotesTx">
+        <pc:chgData name="Daniel Tetrick" userId="a2df512e-642a-440b-a947-52063eaf0d22" providerId="ADAL" clId="{AFEE0202-40C7-4D06-BBE1-CE1F22645A1D}" dt="2020-05-08T16:16:03.628" v="873" actId="6549"/>
+        <pc:sldMkLst>
+          <pc:docMk/>
+          <pc:sldMk cId="3572237625" sldId="293"/>
+        </pc:sldMkLst>
+        <pc:spChg chg="mod">
+          <ac:chgData name="Daniel Tetrick" userId="a2df512e-642a-440b-a947-52063eaf0d22" providerId="ADAL" clId="{AFEE0202-40C7-4D06-BBE1-CE1F22645A1D}" dt="2020-05-08T16:11:03.135" v="822" actId="20577"/>
+          <ac:spMkLst>
+            <pc:docMk/>
+            <pc:sldMk cId="3572237625" sldId="293"/>
+            <ac:spMk id="3" creationId="{57092E74-2EB8-423C-801E-37727CF9D227}"/>
+          </ac:spMkLst>
+        </pc:spChg>
+        <pc:spChg chg="mod">
+          <ac:chgData name="Daniel Tetrick" userId="a2df512e-642a-440b-a947-52063eaf0d22" providerId="ADAL" clId="{AFEE0202-40C7-4D06-BBE1-CE1F22645A1D}" dt="2020-05-08T16:13:44.639" v="843" actId="14100"/>
+          <ac:spMkLst>
+            <pc:docMk/>
+            <pc:sldMk cId="3572237625" sldId="293"/>
+            <ac:spMk id="4" creationId="{98ACD01E-5E65-445B-92A6-4F8CCDB54B94}"/>
+          </ac:spMkLst>
+        </pc:spChg>
+        <pc:spChg chg="mod">
+          <ac:chgData name="Daniel Tetrick" userId="a2df512e-642a-440b-a947-52063eaf0d22" providerId="ADAL" clId="{AFEE0202-40C7-4D06-BBE1-CE1F22645A1D}" dt="2020-05-08T16:09:31.709" v="800" actId="20577"/>
+          <ac:spMkLst>
+            <pc:docMk/>
+            <pc:sldMk cId="3572237625" sldId="293"/>
+            <ac:spMk id="6" creationId="{31D0CCE6-85AE-4706-B400-F2CC88D6A7DB}"/>
+          </ac:spMkLst>
+        </pc:spChg>
+      </pc:sldChg>
+      <pc:sldChg chg="modSp mod modNotesTx">
+        <pc:chgData name="Daniel Tetrick" userId="a2df512e-642a-440b-a947-52063eaf0d22" providerId="ADAL" clId="{AFEE0202-40C7-4D06-BBE1-CE1F22645A1D}" dt="2020-05-08T16:24:54.698" v="940" actId="20577"/>
+        <pc:sldMkLst>
+          <pc:docMk/>
+          <pc:sldMk cId="1477691592" sldId="294"/>
+        </pc:sldMkLst>
+        <pc:spChg chg="mod">
+          <ac:chgData name="Daniel Tetrick" userId="a2df512e-642a-440b-a947-52063eaf0d22" providerId="ADAL" clId="{AFEE0202-40C7-4D06-BBE1-CE1F22645A1D}" dt="2020-05-08T16:20:11.646" v="880" actId="20577"/>
+          <ac:spMkLst>
+            <pc:docMk/>
+            <pc:sldMk cId="1477691592" sldId="294"/>
+            <ac:spMk id="16" creationId="{8C6CD8DD-CB3B-4CE4-A6F9-B6074301C664}"/>
+          </ac:spMkLst>
+        </pc:spChg>
+        <pc:spChg chg="mod">
+          <ac:chgData name="Daniel Tetrick" userId="a2df512e-642a-440b-a947-52063eaf0d22" providerId="ADAL" clId="{AFEE0202-40C7-4D06-BBE1-CE1F22645A1D}" dt="2020-05-08T16:24:54.698" v="940" actId="20577"/>
+          <ac:spMkLst>
+            <pc:docMk/>
+            <pc:sldMk cId="1477691592" sldId="294"/>
+            <ac:spMk id="18" creationId="{C60D307D-54C7-475B-8805-2D8B0097A262}"/>
+          </ac:spMkLst>
+        </pc:spChg>
+        <pc:spChg chg="mod">
+          <ac:chgData name="Daniel Tetrick" userId="a2df512e-642a-440b-a947-52063eaf0d22" providerId="ADAL" clId="{AFEE0202-40C7-4D06-BBE1-CE1F22645A1D}" dt="2020-05-08T16:24:48.330" v="939" actId="20577"/>
+          <ac:spMkLst>
+            <pc:docMk/>
+            <pc:sldMk cId="1477691592" sldId="294"/>
+            <ac:spMk id="27" creationId="{F8A32DCE-8D8B-4C1E-A512-AFCCC2A8EF76}"/>
+          </ac:spMkLst>
+        </pc:spChg>
+      </pc:sldChg>
+      <pc:sldChg chg="addSp modSp mod modAnim">
+        <pc:chgData name="Daniel Tetrick" userId="a2df512e-642a-440b-a947-52063eaf0d22" providerId="ADAL" clId="{AFEE0202-40C7-4D06-BBE1-CE1F22645A1D}" dt="2020-05-08T16:03:21.720" v="737" actId="20577"/>
+        <pc:sldMkLst>
+          <pc:docMk/>
+          <pc:sldMk cId="819427914" sldId="295"/>
+        </pc:sldMkLst>
+        <pc:spChg chg="mod">
+          <ac:chgData name="Daniel Tetrick" userId="a2df512e-642a-440b-a947-52063eaf0d22" providerId="ADAL" clId="{AFEE0202-40C7-4D06-BBE1-CE1F22645A1D}" dt="2020-05-08T15:51:38.892" v="524" actId="14100"/>
+          <ac:spMkLst>
+            <pc:docMk/>
+            <pc:sldMk cId="819427914" sldId="295"/>
+            <ac:spMk id="2" creationId="{4F347FB0-2B6C-4EAE-B112-E5604A3BDA0D}"/>
+          </ac:spMkLst>
+        </pc:spChg>
+        <pc:spChg chg="mod">
+          <ac:chgData name="Daniel Tetrick" userId="a2df512e-642a-440b-a947-52063eaf0d22" providerId="ADAL" clId="{AFEE0202-40C7-4D06-BBE1-CE1F22645A1D}" dt="2020-05-08T16:03:21.720" v="737" actId="20577"/>
+          <ac:spMkLst>
+            <pc:docMk/>
+            <pc:sldMk cId="819427914" sldId="295"/>
+            <ac:spMk id="4" creationId="{5A35421B-52E6-4CF0-A1B2-D34E7FEE4F56}"/>
+          </ac:spMkLst>
+        </pc:spChg>
+        <pc:spChg chg="mod">
+          <ac:chgData name="Daniel Tetrick" userId="a2df512e-642a-440b-a947-52063eaf0d22" providerId="ADAL" clId="{AFEE0202-40C7-4D06-BBE1-CE1F22645A1D}" dt="2020-05-08T16:01:53.879" v="679" actId="1076"/>
+          <ac:spMkLst>
+            <pc:docMk/>
+            <pc:sldMk cId="819427914" sldId="295"/>
+            <ac:spMk id="6" creationId="{DC10272B-DEAA-4BFB-8952-97B786528DB9}"/>
+          </ac:spMkLst>
+        </pc:spChg>
+        <pc:spChg chg="add mod">
+          <ac:chgData name="Daniel Tetrick" userId="a2df512e-642a-440b-a947-52063eaf0d22" providerId="ADAL" clId="{AFEE0202-40C7-4D06-BBE1-CE1F22645A1D}" dt="2020-05-08T15:52:04.519" v="532" actId="1076"/>
+          <ac:spMkLst>
+            <pc:docMk/>
+            <pc:sldMk cId="819427914" sldId="295"/>
+            <ac:spMk id="7" creationId="{074B8F16-A75F-415A-93EB-DC2F0B7771E3}"/>
+          </ac:spMkLst>
+        </pc:spChg>
+      </pc:sldChg>
       <pc:sldChg chg="addSp delSp modSp mod">
         <pc:chgData name="Daniel Tetrick" userId="a2df512e-642a-440b-a947-52063eaf0d22" providerId="ADAL" clId="{AFEE0202-40C7-4D06-BBE1-CE1F22645A1D}" dt="2020-05-06T23:49:53.650" v="1"/>
         <pc:sldMkLst>
@@ -177,6 +345,29 @@
           </ac:graphicFrameMkLst>
         </pc:graphicFrameChg>
       </pc:sldChg>
+      <pc:sldChg chg="modSp new mod modAnim">
+        <pc:chgData name="Daniel Tetrick" userId="a2df512e-642a-440b-a947-52063eaf0d22" providerId="ADAL" clId="{AFEE0202-40C7-4D06-BBE1-CE1F22645A1D}" dt="2020-05-08T16:00:22.131" v="677" actId="20577"/>
+        <pc:sldMkLst>
+          <pc:docMk/>
+          <pc:sldMk cId="1560594232" sldId="298"/>
+        </pc:sldMkLst>
+        <pc:spChg chg="mod">
+          <ac:chgData name="Daniel Tetrick" userId="a2df512e-642a-440b-a947-52063eaf0d22" providerId="ADAL" clId="{AFEE0202-40C7-4D06-BBE1-CE1F22645A1D}" dt="2020-05-08T15:56:19.971" v="637" actId="20577"/>
+          <ac:spMkLst>
+            <pc:docMk/>
+            <pc:sldMk cId="1560594232" sldId="298"/>
+            <ac:spMk id="2" creationId="{FBE508B1-E9BD-42D5-9DF6-BB02D5F4DDC9}"/>
+          </ac:spMkLst>
+        </pc:spChg>
+        <pc:spChg chg="mod">
+          <ac:chgData name="Daniel Tetrick" userId="a2df512e-642a-440b-a947-52063eaf0d22" providerId="ADAL" clId="{AFEE0202-40C7-4D06-BBE1-CE1F22645A1D}" dt="2020-05-08T16:00:22.131" v="677" actId="20577"/>
+          <ac:spMkLst>
+            <pc:docMk/>
+            <pc:sldMk cId="1560594232" sldId="298"/>
+            <ac:spMk id="3" creationId="{99E3CEB8-0512-4CF1-A3AF-E7CA10B1CA9E}"/>
+          </ac:spMkLst>
+        </pc:spChg>
+      </pc:sldChg>
     </pc:docChg>
   </pc:docChgLst>
 </pc:chgInfo>
@@ -264,7 +455,7 @@
           <a:p>
             <a:fld id="{D83288A1-9C55-4571-B7F6-70B3970CBDDC}" type="datetimeFigureOut">
               <a:rPr lang="en-US" smtClean="0"/>
-              <a:t>5/6/2020</a:t>
+              <a:t>5/8/2020</a:t>
             </a:fld>
             <a:endParaRPr lang="en-US"/>
           </a:p>
@@ -596,7 +787,7 @@
           <a:p>
             <a:fld id="{B553D194-1115-4348-9E11-ACE63F3671C8}" type="slidenum">
               <a:rPr lang="en-US" smtClean="0"/>
-              <a:t>2</a:t>
+              <a:t>3</a:t>
             </a:fld>
             <a:endParaRPr lang="en-US"/>
           </a:p>
@@ -683,7 +874,7 @@
           <a:p>
             <a:fld id="{04BA324C-2C79-4114-9FAD-107937E9433D}" type="slidenum">
               <a:rPr lang="en-US" smtClean="0"/>
-              <a:t>12</a:t>
+              <a:t>13</a:t>
             </a:fld>
             <a:endParaRPr lang="en-US"/>
           </a:p>
@@ -770,7 +961,7 @@
           <a:p>
             <a:fld id="{04BA324C-2C79-4114-9FAD-107937E9433D}" type="slidenum">
               <a:rPr lang="en-US" smtClean="0"/>
-              <a:t>13</a:t>
+              <a:t>14</a:t>
             </a:fld>
             <a:endParaRPr lang="en-US"/>
           </a:p>
@@ -833,16 +1024,7 @@
           <a:bodyPr/>
           <a:lstStyle/>
           <a:p>
-            <a:r>
-              <a:rPr lang="en-US" dirty="0"/>
-              <a:t>This is a template you can use on other security services. </a:t>
-            </a:r>
-          </a:p>
-          <a:p>
-            <a:r>
-              <a:rPr lang="en-US" dirty="0"/>
-              <a:t>On a high level we can use this approach in the following application….</a:t>
-            </a:r>
+            <a:endParaRPr lang="en-US" dirty="0"/>
           </a:p>
         </p:txBody>
       </p:sp>
@@ -863,7 +1045,7 @@
           <a:p>
             <a:fld id="{B553D194-1115-4348-9E11-ACE63F3671C8}" type="slidenum">
               <a:rPr lang="en-US" smtClean="0"/>
-              <a:t>3</a:t>
+              <a:t>4</a:t>
             </a:fld>
             <a:endParaRPr lang="en-US"/>
           </a:p>
@@ -926,49 +1108,6 @@
           <a:bodyPr/>
           <a:lstStyle/>
           <a:p>
-            <a:pPr lvl="1"/>
-            <a:r>
-              <a:rPr lang="en-US" dirty="0"/>
-              <a:t>1. Assets do not exist long enough to trigger security monitoring and scanning onboarding processes – thus do not get onboarded before they disappear. </a:t>
-            </a:r>
-            <a:r>
-              <a:rPr lang="en-US" b="1" dirty="0"/>
-              <a:t>More</a:t>
-            </a:r>
-            <a:r>
-              <a:rPr lang="en-US" dirty="0"/>
-              <a:t> </a:t>
-            </a:r>
-            <a:r>
-              <a:rPr lang="en-US" b="1" dirty="0"/>
-              <a:t>Vulnerable</a:t>
-            </a:r>
-            <a:endParaRPr lang="en-US" dirty="0"/>
-          </a:p>
-          <a:p>
-            <a:pPr lvl="1"/>
-            <a:r>
-              <a:rPr lang="en-US" dirty="0"/>
-              <a:t>2. Assets can misrepresent or introduce fluctuations to our aggregate security metric calculations for Security Fundamentals, Monthly Scorecard, and other reporting. </a:t>
-            </a:r>
-            <a:r>
-              <a:rPr lang="en-US" b="1" dirty="0"/>
-              <a:t>Inaccurate Reporting</a:t>
-            </a:r>
-            <a:endParaRPr lang="en-US" dirty="0"/>
-          </a:p>
-          <a:p>
-            <a:pPr lvl="1"/>
-            <a:r>
-              <a:rPr lang="en-US" dirty="0"/>
-              <a:t>3. Assets create S360 Ghost actions for our partners. The asset doesn’t exist when it is time for it to be serviced causing partners to lose time and efficiency on a problem that no longer exists. </a:t>
-            </a:r>
-            <a:r>
-              <a:rPr lang="en-US" b="1" dirty="0"/>
-              <a:t>Loss of Credibility and Productivity</a:t>
-            </a:r>
-          </a:p>
-          <a:p>
             <a:endParaRPr lang="en-US" dirty="0"/>
           </a:p>
         </p:txBody>
@@ -990,7 +1129,7 @@
           <a:p>
             <a:fld id="{B553D194-1115-4348-9E11-ACE63F3671C8}" type="slidenum">
               <a:rPr lang="en-US" smtClean="0"/>
-              <a:t>4</a:t>
+              <a:t>5</a:t>
             </a:fld>
             <a:endParaRPr lang="en-US"/>
           </a:p>
@@ -1074,7 +1213,7 @@
           <a:p>
             <a:fld id="{B553D194-1115-4348-9E11-ACE63F3671C8}" type="slidenum">
               <a:rPr lang="en-US" smtClean="0"/>
-              <a:t>5</a:t>
+              <a:t>6</a:t>
             </a:fld>
             <a:endParaRPr lang="en-US"/>
           </a:p>
@@ -1137,161 +1276,6 @@
           <a:bodyPr/>
           <a:lstStyle/>
           <a:p>
-            <a:pPr marL="0" marR="0">
-              <a:lnSpc>
-                <a:spcPct val="107000"/>
-              </a:lnSpc>
-              <a:spcBef>
-                <a:spcPts val="600"/>
-              </a:spcBef>
-              <a:spcAft>
-                <a:spcPts val="600"/>
-              </a:spcAft>
-            </a:pPr>
-            <a:r>
-              <a:rPr lang="en-US" sz="1200" dirty="0">
-                <a:solidFill>
-                  <a:srgbClr val="222222"/>
-                </a:solidFill>
-                <a:effectLst/>
-                <a:latin typeface="Segoe UI" panose="020B0502040204020203" pitchFamily="34" charset="0"/>
-                <a:ea typeface="Times New Roman" panose="02020603050405020304" pitchFamily="18" charset="0"/>
-                <a:cs typeface="Times New Roman" panose="02020603050405020304" pitchFamily="18" charset="0"/>
-              </a:rPr>
-              <a:t>Id Age over a 147-day study of claimed assets in the Conflux data platform. </a:t>
-            </a:r>
-          </a:p>
-          <a:p>
-            <a:pPr marL="0" marR="0">
-              <a:lnSpc>
-                <a:spcPct val="107000"/>
-              </a:lnSpc>
-              <a:spcBef>
-                <a:spcPts val="600"/>
-              </a:spcBef>
-              <a:spcAft>
-                <a:spcPts val="600"/>
-              </a:spcAft>
-            </a:pPr>
-            <a:r>
-              <a:rPr lang="en-US" sz="1200" dirty="0">
-                <a:solidFill>
-                  <a:srgbClr val="222222"/>
-                </a:solidFill>
-                <a:effectLst/>
-                <a:latin typeface="Segoe UI" panose="020B0502040204020203" pitchFamily="34" charset="0"/>
-                <a:ea typeface="Times New Roman" panose="02020603050405020304" pitchFamily="18" charset="0"/>
-                <a:cs typeface="Times New Roman" panose="02020603050405020304" pitchFamily="18" charset="0"/>
-              </a:rPr>
-              <a:t>Overall, the analysis found nearly 1.4M unique assets with a median age of 3-days. </a:t>
-            </a:r>
-          </a:p>
-          <a:p>
-            <a:pPr marL="0" marR="0">
-              <a:lnSpc>
-                <a:spcPct val="107000"/>
-              </a:lnSpc>
-              <a:spcBef>
-                <a:spcPts val="600"/>
-              </a:spcBef>
-              <a:spcAft>
-                <a:spcPts val="600"/>
-              </a:spcAft>
-            </a:pPr>
-            <a:r>
-              <a:rPr lang="en-US" sz="1200" dirty="0">
-                <a:solidFill>
-                  <a:srgbClr val="222222"/>
-                </a:solidFill>
-                <a:effectLst/>
-                <a:latin typeface="Segoe UI" panose="020B0502040204020203" pitchFamily="34" charset="0"/>
-                <a:ea typeface="Times New Roman" panose="02020603050405020304" pitchFamily="18" charset="0"/>
-                <a:cs typeface="Times New Roman" panose="02020603050405020304" pitchFamily="18" charset="0"/>
-              </a:rPr>
-              <a:t>Over 701K (50%) of all assets </a:t>
-            </a:r>
-            <a:r>
-              <a:rPr lang="en-US" sz="1200" i="1" dirty="0">
-                <a:solidFill>
-                  <a:srgbClr val="222222"/>
-                </a:solidFill>
-                <a:effectLst/>
-                <a:latin typeface="Segoe UI" panose="020B0502040204020203" pitchFamily="34" charset="0"/>
-                <a:ea typeface="Times New Roman" panose="02020603050405020304" pitchFamily="18" charset="0"/>
-                <a:cs typeface="Times New Roman" panose="02020603050405020304" pitchFamily="18" charset="0"/>
-              </a:rPr>
-              <a:t>did not</a:t>
-            </a:r>
-            <a:r>
-              <a:rPr lang="en-US" sz="1200" dirty="0">
-                <a:solidFill>
-                  <a:srgbClr val="222222"/>
-                </a:solidFill>
-                <a:effectLst/>
-                <a:latin typeface="Segoe UI" panose="020B0502040204020203" pitchFamily="34" charset="0"/>
-                <a:ea typeface="Times New Roman" panose="02020603050405020304" pitchFamily="18" charset="0"/>
-                <a:cs typeface="Times New Roman" panose="02020603050405020304" pitchFamily="18" charset="0"/>
-              </a:rPr>
-              <a:t> live past an Id Age of 5 days age are considered transient (red). </a:t>
-            </a:r>
-          </a:p>
-          <a:p>
-            <a:pPr marL="0" marR="0">
-              <a:lnSpc>
-                <a:spcPct val="107000"/>
-              </a:lnSpc>
-              <a:spcBef>
-                <a:spcPts val="600"/>
-              </a:spcBef>
-              <a:spcAft>
-                <a:spcPts val="600"/>
-              </a:spcAft>
-            </a:pPr>
-            <a:r>
-              <a:rPr lang="en-US" sz="1200" dirty="0">
-                <a:solidFill>
-                  <a:srgbClr val="222222"/>
-                </a:solidFill>
-                <a:effectLst/>
-                <a:latin typeface="Segoe UI" panose="020B0502040204020203" pitchFamily="34" charset="0"/>
-                <a:ea typeface="Times New Roman" panose="02020603050405020304" pitchFamily="18" charset="0"/>
-                <a:cs typeface="Times New Roman" panose="02020603050405020304" pitchFamily="18" charset="0"/>
-              </a:rPr>
-              <a:t>Only 311K (32%) of assets lived past 14-days age (green) and are considered durable. </a:t>
-            </a:r>
-          </a:p>
-          <a:p>
-            <a:pPr marL="0" marR="0">
-              <a:lnSpc>
-                <a:spcPct val="107000"/>
-              </a:lnSpc>
-              <a:spcBef>
-                <a:spcPts val="600"/>
-              </a:spcBef>
-              <a:spcAft>
-                <a:spcPts val="600"/>
-              </a:spcAft>
-            </a:pPr>
-            <a:r>
-              <a:rPr lang="en-US" sz="1200" dirty="0">
-                <a:solidFill>
-                  <a:srgbClr val="222222"/>
-                </a:solidFill>
-                <a:effectLst/>
-                <a:latin typeface="Segoe UI" panose="020B0502040204020203" pitchFamily="34" charset="0"/>
-                <a:ea typeface="Times New Roman" panose="02020603050405020304" pitchFamily="18" charset="0"/>
-                <a:cs typeface="Times New Roman" panose="02020603050405020304" pitchFamily="18" charset="0"/>
-              </a:rPr>
-              <a:t>The yellow area (18%) of the histogram is under further analysis.</a:t>
-            </a:r>
-            <a:endParaRPr lang="en-US" sz="1200" dirty="0">
-              <a:effectLst/>
-              <a:latin typeface="Calibri" panose="020F0502020204030204" pitchFamily="34" charset="0"/>
-              <a:ea typeface="Calibri" panose="020F0502020204030204" pitchFamily="34" charset="0"/>
-              <a:cs typeface="Times New Roman" panose="02020603050405020304" pitchFamily="18" charset="0"/>
-            </a:endParaRPr>
-          </a:p>
-          <a:p>
             <a:endParaRPr lang="en-US" dirty="0"/>
           </a:p>
         </p:txBody>
@@ -1313,7 +1297,7 @@
           <a:p>
             <a:fld id="{B553D194-1115-4348-9E11-ACE63F3671C8}" type="slidenum">
               <a:rPr lang="en-US" smtClean="0"/>
-              <a:t>6</a:t>
+              <a:t>7</a:t>
             </a:fld>
             <a:endParaRPr lang="en-US"/>
           </a:p>
@@ -1379,77 +1363,6 @@
             <a:pPr marL="228600" indent="-228600">
               <a:buAutoNum type="arabicPeriod"/>
             </a:pPr>
-            <a:r>
-              <a:rPr lang="en-US" dirty="0"/>
-              <a:t>We have 251K total assets we report (</a:t>
-            </a:r>
-            <a:r>
-              <a:rPr lang="en-US" dirty="0" err="1"/>
-              <a:t>isclaimed</a:t>
-            </a:r>
-            <a:r>
-              <a:rPr lang="en-US" dirty="0"/>
-              <a:t> ==1) </a:t>
-            </a:r>
-          </a:p>
-          <a:p>
-            <a:pPr marL="228600" indent="-228600">
-              <a:buAutoNum type="arabicPeriod"/>
-            </a:pPr>
-            <a:r>
-              <a:rPr lang="en-US" dirty="0"/>
-              <a:t>29K (11.7%) of reported assets are considered potentially Transients</a:t>
-            </a:r>
-          </a:p>
-          <a:p>
-            <a:pPr marL="228600" indent="-228600">
-              <a:buAutoNum type="arabicPeriod"/>
-            </a:pPr>
-            <a:r>
-              <a:rPr lang="en-US" dirty="0"/>
-              <a:t>6,400 (only 22%) of the 29K are monitored securely</a:t>
-            </a:r>
-          </a:p>
-          <a:p>
-            <a:pPr marL="228600" indent="-228600">
-              <a:buAutoNum type="arabicPeriod"/>
-            </a:pPr>
-            <a:r>
-              <a:rPr lang="en-US" dirty="0"/>
-              <a:t>222K (88%) of reported assets are Durable</a:t>
-            </a:r>
-          </a:p>
-          <a:p>
-            <a:pPr marL="228600" indent="-228600">
-              <a:buAutoNum type="arabicPeriod"/>
-            </a:pPr>
-            <a:r>
-              <a:rPr lang="en-US" dirty="0"/>
-              <a:t>180K (81%) of those are monitored</a:t>
-            </a:r>
-          </a:p>
-          <a:p>
-            <a:pPr marL="228600" indent="-228600">
-              <a:buAutoNum type="arabicPeriod"/>
-            </a:pPr>
-            <a:r>
-              <a:rPr lang="en-US" dirty="0"/>
-              <a:t>A 59% difference in monitoring performance exists based on the analysis. </a:t>
-            </a:r>
-          </a:p>
-          <a:p>
-            <a:pPr marL="228600" indent="-228600">
-              <a:buAutoNum type="arabicPeriod"/>
-            </a:pPr>
-            <a:r>
-              <a:rPr lang="en-US" dirty="0"/>
-              <a:t>The same difference exists for scanning but was deprecated for space. The results are in the appendix</a:t>
-            </a:r>
-          </a:p>
-          <a:p>
-            <a:pPr marL="228600" indent="-228600">
-              <a:buAutoNum type="arabicPeriod"/>
-            </a:pPr>
             <a:endParaRPr lang="en-US" dirty="0"/>
           </a:p>
         </p:txBody>
@@ -1471,7 +1384,7 @@
           <a:p>
             <a:fld id="{04BA324C-2C79-4114-9FAD-107937E9433D}" type="slidenum">
               <a:rPr lang="en-US" smtClean="0"/>
-              <a:t>7</a:t>
+              <a:t>8</a:t>
             </a:fld>
             <a:endParaRPr lang="en-US"/>
           </a:p>
@@ -1537,27 +1450,7 @@
             <a:pPr marL="228600" indent="-228600">
               <a:buAutoNum type="arabicPeriod"/>
             </a:pPr>
-            <a:r>
-              <a:rPr lang="en-US"/>
-              <a:t>If we look at each </a:t>
-            </a:r>
-            <a:r>
-              <a:rPr lang="en-US" err="1"/>
-              <a:t>XDivAsset</a:t>
-            </a:r>
-            <a:r>
-              <a:rPr lang="en-US"/>
-              <a:t> id’s age historically (35 days) we see that a large proportion of all assets don’t live past the 3 day age range. </a:t>
-            </a:r>
-          </a:p>
-          <a:p>
-            <a:pPr marL="228600" indent="-228600">
-              <a:buAutoNum type="arabicPeriod"/>
-            </a:pPr>
-            <a:r>
-              <a:rPr lang="en-US"/>
-              <a:t>If we look at a 3 day time line we see 42% of all assets die </a:t>
-            </a:r>
+            <a:endParaRPr lang="en-US" dirty="0"/>
           </a:p>
         </p:txBody>
       </p:sp>
@@ -1578,7 +1471,7 @@
           <a:p>
             <a:fld id="{04BA324C-2C79-4114-9FAD-107937E9433D}" type="slidenum">
               <a:rPr lang="en-US" smtClean="0"/>
-              <a:t>8</a:t>
+              <a:t>9</a:t>
             </a:fld>
             <a:endParaRPr lang="en-US"/>
           </a:p>
@@ -1641,364 +1534,6 @@
           <a:bodyPr/>
           <a:lstStyle/>
           <a:p>
-            <a:pPr algn="l" rtl="0" fontAlgn="base">
-              <a:buFont typeface="+mj-lt"/>
-              <a:buAutoNum type="arabicPeriod"/>
-            </a:pPr>
-            <a:r>
-              <a:rPr lang="en-US" sz="1800" b="0" i="0" u="none" strike="noStrike" dirty="0">
-                <a:solidFill>
-                  <a:srgbClr val="000000"/>
-                </a:solidFill>
-                <a:effectLst/>
-                <a:latin typeface="Calibri" panose="020F0502020204030204" pitchFamily="34" charset="0"/>
-              </a:rPr>
-              <a:t>      All historical and new data is stored in Cosmos ADL as structured streams. When a new stream event is detected the machine learning process begins by </a:t>
-            </a:r>
-            <a:r>
-              <a:rPr lang="en-US" sz="1800" b="0" i="0" u="none" strike="noStrike" dirty="0" err="1">
-                <a:solidFill>
-                  <a:srgbClr val="000000"/>
-                </a:solidFill>
-                <a:effectLst/>
-                <a:latin typeface="Calibri" panose="020F0502020204030204" pitchFamily="34" charset="0"/>
-              </a:rPr>
-              <a:t>unioning</a:t>
-            </a:r>
-            <a:r>
-              <a:rPr lang="en-US" sz="1800" b="0" i="0" u="none" strike="noStrike" dirty="0">
-                <a:solidFill>
-                  <a:srgbClr val="000000"/>
-                </a:solidFill>
-                <a:effectLst/>
-                <a:latin typeface="Calibri" panose="020F0502020204030204" pitchFamily="34" charset="0"/>
-              </a:rPr>
-              <a:t> the new stream set to the previous collected streams. </a:t>
-            </a:r>
-          </a:p>
-          <a:p>
-            <a:pPr algn="l" rtl="0" fontAlgn="base">
-              <a:buFont typeface="+mj-lt"/>
-              <a:buAutoNum type="arabicPeriod" startAt="2"/>
-            </a:pPr>
-            <a:r>
-              <a:rPr lang="en-US" sz="1800" b="0" i="0" u="none" strike="noStrike" dirty="0">
-                <a:solidFill>
-                  <a:srgbClr val="000000"/>
-                </a:solidFill>
-                <a:effectLst/>
-                <a:latin typeface="Calibri" panose="020F0502020204030204" pitchFamily="34" charset="0"/>
-              </a:rPr>
-              <a:t>      New data streams are cleaned and formatted to match the previous historical stream sets, allowing a complete history of which assets are and are not available each day. Transience metrics track asset behavior beginning on the first    date seen and ending on the last date it was seen in the data. The Id Age variable created is the key metric used for binary classification and measures the number of days between the first and last date each asset was seen.  </a:t>
-            </a:r>
-          </a:p>
-          <a:p>
-            <a:pPr algn="l" rtl="0" fontAlgn="base">
-              <a:buFont typeface="+mj-lt"/>
-              <a:buAutoNum type="arabicPeriod" startAt="3"/>
-            </a:pPr>
-            <a:r>
-              <a:rPr lang="en-US" sz="1800" b="0" i="0" u="none" strike="noStrike" dirty="0">
-                <a:solidFill>
-                  <a:srgbClr val="000000"/>
-                </a:solidFill>
-                <a:effectLst/>
-                <a:latin typeface="Calibri" panose="020F0502020204030204" pitchFamily="34" charset="0"/>
-              </a:rPr>
-              <a:t>      After processing, the data is available for machine learning and analysis. The Databrick’s notebook process begins using an internal job scheduler. The Databricks section is intentionally broken out to display the inner workings of the notebook logic and sequencing. </a:t>
-            </a:r>
-          </a:p>
-          <a:p>
-            <a:pPr marL="342900" indent="-342900" algn="l" rtl="0" fontAlgn="base">
-              <a:buFont typeface="+mj-lt"/>
-              <a:buAutoNum type="alphaLcParenR"/>
-            </a:pPr>
-            <a:r>
-              <a:rPr lang="en-US" sz="1800" b="0" i="0" u="none" strike="noStrike" dirty="0">
-                <a:solidFill>
-                  <a:srgbClr val="000000"/>
-                </a:solidFill>
-                <a:effectLst/>
-                <a:latin typeface="Calibri" panose="020F0502020204030204" pitchFamily="34" charset="0"/>
-              </a:rPr>
-              <a:t>The classification dataset consists of all assets in the historical data set as seen on its 1</a:t>
-            </a:r>
-            <a:r>
-              <a:rPr lang="en-US" sz="1800" b="0" i="0" u="none" strike="noStrike" baseline="30000" dirty="0">
-                <a:solidFill>
-                  <a:srgbClr val="000000"/>
-                </a:solidFill>
-                <a:effectLst/>
-                <a:latin typeface="Calibri" panose="020F0502020204030204" pitchFamily="34" charset="0"/>
-              </a:rPr>
-              <a:t>st</a:t>
-            </a:r>
-            <a:r>
-              <a:rPr lang="en-US" sz="1800" b="0" i="0" u="none" strike="noStrike" dirty="0">
-                <a:solidFill>
-                  <a:srgbClr val="000000"/>
-                </a:solidFill>
-                <a:effectLst/>
-                <a:latin typeface="Calibri" panose="020F0502020204030204" pitchFamily="34" charset="0"/>
-              </a:rPr>
-              <a:t> day. This allows accurate predictions to be created for new assets (1</a:t>
-            </a:r>
-            <a:r>
-              <a:rPr lang="en-US" sz="1800" b="0" i="0" u="none" strike="noStrike" baseline="30000" dirty="0">
-                <a:solidFill>
-                  <a:srgbClr val="000000"/>
-                </a:solidFill>
-                <a:effectLst/>
-                <a:latin typeface="Calibri" panose="020F0502020204030204" pitchFamily="34" charset="0"/>
-              </a:rPr>
-              <a:t>st</a:t>
-            </a:r>
-            <a:r>
-              <a:rPr lang="en-US" sz="1800" b="0" i="0" u="none" strike="noStrike" dirty="0">
-                <a:solidFill>
-                  <a:srgbClr val="000000"/>
-                </a:solidFill>
-                <a:effectLst/>
-                <a:latin typeface="Calibri" panose="020F0502020204030204" pitchFamily="34" charset="0"/>
-              </a:rPr>
-              <a:t> day) as they enter the data. </a:t>
-            </a:r>
-          </a:p>
-          <a:p>
-            <a:pPr marL="342900" indent="-342900" algn="l" rtl="0" fontAlgn="base">
-              <a:buFont typeface="+mj-lt"/>
-              <a:buAutoNum type="alphaLcParenR"/>
-            </a:pPr>
-            <a:r>
-              <a:rPr lang="en-US" sz="1800" b="0" i="0" u="none" strike="noStrike" dirty="0">
-                <a:solidFill>
-                  <a:srgbClr val="000000"/>
-                </a:solidFill>
-                <a:effectLst/>
-                <a:latin typeface="Calibri" panose="020F0502020204030204" pitchFamily="34" charset="0"/>
-              </a:rPr>
-              <a:t>Features such are created and added to the classification data.  </a:t>
-            </a:r>
-          </a:p>
-          <a:p>
-            <a:pPr marL="342900" indent="-342900" algn="l" rtl="0" fontAlgn="base">
-              <a:buFont typeface="+mj-lt"/>
-              <a:buAutoNum type="alphaLcParenR"/>
-            </a:pPr>
-            <a:r>
-              <a:rPr lang="en-US" sz="1800" b="0" i="0" u="none" strike="noStrike" dirty="0">
-                <a:solidFill>
-                  <a:srgbClr val="000000"/>
-                </a:solidFill>
-                <a:effectLst/>
-                <a:latin typeface="Calibri" panose="020F0502020204030204" pitchFamily="34" charset="0"/>
-              </a:rPr>
-              <a:t>Data is censured to remove datapoints that haven’t been in data long enough to become transient or were in the data prior to the project beginning. Censuring prevents illegitimate data points from entering the training data and creating confusion.  </a:t>
-            </a:r>
-          </a:p>
-          <a:p>
-            <a:pPr marL="342900" indent="-342900" algn="l" rtl="0" fontAlgn="base">
-              <a:buFont typeface="+mj-lt"/>
-              <a:buAutoNum type="alphaLcParenR"/>
-            </a:pPr>
-            <a:r>
-              <a:rPr lang="en-US" sz="1800" b="0" i="0" u="none" strike="noStrike" dirty="0">
-                <a:solidFill>
-                  <a:srgbClr val="000000"/>
-                </a:solidFill>
-                <a:effectLst/>
-                <a:latin typeface="Calibri" panose="020F0502020204030204" pitchFamily="34" charset="0"/>
-              </a:rPr>
-              <a:t>Categorical variables are vectorized and then one-hot encoded. This process creates numeric values out of text values so that they can be easily used in modeling. The binary variables are also added to the overall data model at this point.  </a:t>
-            </a:r>
-          </a:p>
-          <a:p>
-            <a:pPr marL="342900" indent="-342900" algn="l" rtl="0" fontAlgn="base">
-              <a:buFont typeface="+mj-lt"/>
-              <a:buAutoNum type="alphaLcParenR"/>
-            </a:pPr>
-            <a:r>
-              <a:rPr lang="en-US" sz="1800" b="0" i="0" u="none" strike="noStrike" dirty="0">
-                <a:solidFill>
-                  <a:srgbClr val="000000"/>
-                </a:solidFill>
-                <a:effectLst/>
-                <a:latin typeface="Calibri" panose="020F0502020204030204" pitchFamily="34" charset="0"/>
-              </a:rPr>
-              <a:t>Data to predict upon are filtered out of the overall classification so they are not included in the training data. Prediction data points are defined as new assets, or assets that have not been seen in the historical data set previously.  </a:t>
-            </a:r>
-          </a:p>
-          <a:p>
-            <a:pPr marL="342900" indent="-342900" algn="l" rtl="0" fontAlgn="base">
-              <a:buFont typeface="+mj-lt"/>
-              <a:buAutoNum type="alphaLcParenR"/>
-            </a:pPr>
-            <a:r>
-              <a:rPr lang="en-US" sz="1800" b="0" i="0" u="none" strike="noStrike" dirty="0">
-                <a:solidFill>
-                  <a:srgbClr val="000000"/>
-                </a:solidFill>
-                <a:effectLst/>
-                <a:latin typeface="Calibri" panose="020F0502020204030204" pitchFamily="34" charset="0"/>
-              </a:rPr>
-              <a:t>Data to model are the remaining censured data points with predictions removed. This data represents he cleaned model data that is best suited to build the binary classifier.  </a:t>
-            </a:r>
-          </a:p>
-          <a:p>
-            <a:pPr marL="342900" indent="-342900" algn="l" rtl="0" fontAlgn="base">
-              <a:buFont typeface="+mj-lt"/>
-              <a:buAutoNum type="alphaLcParenR"/>
-            </a:pPr>
-            <a:r>
-              <a:rPr lang="en-US" sz="1800" b="0" i="0" u="none" strike="noStrike" dirty="0">
-                <a:solidFill>
-                  <a:srgbClr val="000000"/>
-                </a:solidFill>
-                <a:effectLst/>
-                <a:latin typeface="Calibri" panose="020F0502020204030204" pitchFamily="34" charset="0"/>
-              </a:rPr>
-              <a:t>70% of the data to model is randomly sampled and will be used to train the Light GBM classifier.  </a:t>
-            </a:r>
-          </a:p>
-          <a:p>
-            <a:pPr marL="342900" indent="-342900" algn="l" rtl="0" fontAlgn="base">
-              <a:buFont typeface="+mj-lt"/>
-              <a:buAutoNum type="alphaLcParenR"/>
-            </a:pPr>
-            <a:r>
-              <a:rPr lang="en-US" sz="1800" b="0" i="0" u="none" strike="noStrike" dirty="0">
-                <a:solidFill>
-                  <a:srgbClr val="000000"/>
-                </a:solidFill>
-                <a:effectLst/>
-                <a:latin typeface="Calibri" panose="020F0502020204030204" pitchFamily="34" charset="0"/>
-              </a:rPr>
-              <a:t>The remaining 30% of the data is held aside from model training and will be used to cross-validate the accuracy of the model.  </a:t>
-            </a:r>
-          </a:p>
-          <a:p>
-            <a:pPr marL="342900" indent="-342900" algn="l" rtl="0" fontAlgn="base">
-              <a:buFont typeface="+mj-lt"/>
-              <a:buAutoNum type="alphaLcParenR"/>
-            </a:pPr>
-            <a:r>
-              <a:rPr lang="en-US" sz="1800" b="0" i="0" u="sng" strike="noStrike" dirty="0">
-                <a:solidFill>
-                  <a:srgbClr val="0563C1"/>
-                </a:solidFill>
-                <a:effectLst/>
-                <a:latin typeface="Calibri" panose="020F0502020204030204" pitchFamily="34" charset="0"/>
-              </a:rPr>
-              <a:t>Light Gradient Boosted Model</a:t>
-            </a:r>
-            <a:r>
-              <a:rPr lang="en-US" sz="1800" b="0" i="0" u="none" strike="noStrike" dirty="0">
-                <a:solidFill>
-                  <a:srgbClr val="000000"/>
-                </a:solidFill>
-                <a:effectLst/>
-                <a:latin typeface="Calibri" panose="020F0502020204030204" pitchFamily="34" charset="0"/>
-              </a:rPr>
-              <a:t> (GBM) – is a gradient boosting framework that uses tree-based learning algorithms.   </a:t>
-            </a:r>
-          </a:p>
-          <a:p>
-            <a:pPr marL="342900" indent="-342900" algn="l" rtl="0" fontAlgn="base">
-              <a:buFont typeface="+mj-lt"/>
-              <a:buAutoNum type="alphaLcParenR"/>
-            </a:pPr>
-            <a:r>
-              <a:rPr lang="en-US" sz="1800" b="0" i="0" u="none" strike="noStrike" dirty="0">
-                <a:solidFill>
-                  <a:srgbClr val="000000"/>
-                </a:solidFill>
-                <a:effectLst/>
-                <a:latin typeface="Calibri" panose="020F0502020204030204" pitchFamily="34" charset="0"/>
-              </a:rPr>
-              <a:t>Model evaluation using the Training and Test data is done with the Area Under the Curve (AUC) and the Area Under the Precision Recall Curve to verify there is not drift between the test and training data sets.  </a:t>
-            </a:r>
-          </a:p>
-          <a:p>
-            <a:pPr marL="342900" indent="-342900" algn="l" rtl="0" fontAlgn="base">
-              <a:buFont typeface="+mj-lt"/>
-              <a:buAutoNum type="alphaLcParenR"/>
-            </a:pPr>
-            <a:r>
-              <a:rPr lang="en-US" sz="1800" b="0" i="0" u="none" strike="noStrike" dirty="0">
-                <a:solidFill>
-                  <a:srgbClr val="000000"/>
-                </a:solidFill>
-                <a:effectLst/>
-                <a:latin typeface="Calibri" panose="020F0502020204030204" pitchFamily="34" charset="0"/>
-              </a:rPr>
-              <a:t>Databricks ML Flow is used for Monitoring model output and saving the evaluations. </a:t>
-            </a:r>
-          </a:p>
-          <a:p>
-            <a:pPr marL="342900" indent="-342900" algn="l" rtl="0" fontAlgn="base">
-              <a:buFont typeface="+mj-lt"/>
-              <a:buAutoNum type="arabicPeriod" startAt="5"/>
-            </a:pPr>
-            <a:r>
-              <a:rPr lang="en-US" sz="1800" b="0" i="0" u="none" strike="noStrike" dirty="0">
-                <a:solidFill>
-                  <a:srgbClr val="000000"/>
-                </a:solidFill>
-                <a:effectLst/>
-                <a:latin typeface="Calibri" panose="020F0502020204030204" pitchFamily="34" charset="0"/>
-              </a:rPr>
-              <a:t>S360 data models integrate Transience predictions and metrics into existing cook jobs and apply the dynamic exclusion logic. Logic entails excluding any asset that is predicted to be transient and is not greater than 3-days old. </a:t>
-            </a:r>
-          </a:p>
-          <a:p>
-            <a:pPr algn="l" rtl="0" fontAlgn="base">
-              <a:buFont typeface="+mj-lt"/>
-              <a:buAutoNum type="arabicPeriod" startAt="5"/>
-            </a:pPr>
-            <a:r>
-              <a:rPr lang="en-US" sz="1800" b="0" i="0" u="none" strike="noStrike" dirty="0">
-                <a:solidFill>
-                  <a:srgbClr val="000000"/>
-                </a:solidFill>
-                <a:effectLst/>
-                <a:latin typeface="Calibri" panose="020F0502020204030204" pitchFamily="34" charset="0"/>
-              </a:rPr>
-              <a:t>      Datagrid transfers S360 w/ transient exclusions data streams from Cosmos ADL into Kusto data tables.  </a:t>
-            </a:r>
-          </a:p>
-          <a:p>
-            <a:pPr marL="342900" indent="-342900" algn="l" rtl="0" fontAlgn="base">
-              <a:buFont typeface="+mj-lt"/>
-              <a:buAutoNum type="arabicPeriod" startAt="7"/>
-            </a:pPr>
-            <a:r>
-              <a:rPr lang="en-US" sz="1800" b="0" i="0" u="none" strike="noStrike" dirty="0">
-                <a:solidFill>
-                  <a:srgbClr val="000000"/>
-                </a:solidFill>
-                <a:effectLst/>
-                <a:latin typeface="Calibri" panose="020F0502020204030204" pitchFamily="34" charset="0"/>
-              </a:rPr>
-              <a:t>S360 production and development uses Kusto data tables as inputs into their UI. Transient assets are excluded in the previous steps so that they do not surface in the UI for partners to act.  </a:t>
-            </a:r>
-          </a:p>
-          <a:p>
-            <a:pPr algn="l" rtl="0" fontAlgn="base">
-              <a:buFont typeface="+mj-lt"/>
-              <a:buAutoNum type="arabicPeriod" startAt="7"/>
-            </a:pPr>
-            <a:r>
-              <a:rPr lang="en-US" sz="1800" b="0" i="0" u="none" strike="noStrike" dirty="0">
-                <a:solidFill>
-                  <a:srgbClr val="000000"/>
-                </a:solidFill>
-                <a:effectLst/>
-                <a:latin typeface="Calibri" panose="020F0502020204030204" pitchFamily="34" charset="0"/>
-              </a:rPr>
-              <a:t>      As processing occurs, the outputs are sent to the next step in the ML pipeline and a copy of the data sent is stored in Cosmos ADL for further processing. </a:t>
-            </a:r>
-          </a:p>
-          <a:p>
             <a:pPr marL="0" indent="0">
               <a:buNone/>
             </a:pPr>
@@ -2023,7 +1558,7 @@
           <a:p>
             <a:fld id="{04BA324C-2C79-4114-9FAD-107937E9433D}" type="slidenum">
               <a:rPr lang="en-US" smtClean="0"/>
-              <a:t>9</a:t>
+              <a:t>10</a:t>
             </a:fld>
             <a:endParaRPr lang="en-US"/>
           </a:p>
@@ -2110,7 +1645,7 @@
           <a:p>
             <a:fld id="{04BA324C-2C79-4114-9FAD-107937E9433D}" type="slidenum">
               <a:rPr lang="en-US" smtClean="0"/>
-              <a:t>11</a:t>
+              <a:t>12</a:t>
             </a:fld>
             <a:endParaRPr lang="en-US"/>
           </a:p>
@@ -2367,7 +1902,7 @@
           <a:p>
             <a:fld id="{ED291B17-9318-49DB-B28B-6E5994AE9581}" type="datetime1">
               <a:rPr lang="en-US" smtClean="0"/>
-              <a:t>5/6/2020</a:t>
+              <a:t>5/8/2020</a:t>
             </a:fld>
             <a:endParaRPr lang="en-US" dirty="0"/>
           </a:p>
@@ -2570,7 +2105,7 @@
           <a:p>
             <a:fld id="{2CED4963-E985-44C4-B8C4-FDD613B7C2F8}" type="datetime1">
               <a:rPr lang="en-US" smtClean="0"/>
-              <a:t>5/6/2020</a:t>
+              <a:t>5/8/2020</a:t>
             </a:fld>
             <a:endParaRPr lang="en-US" dirty="0"/>
           </a:p>
@@ -2932,7 +2467,7 @@
           <a:p>
             <a:fld id="{ED291B17-9318-49DB-B28B-6E5994AE9581}" type="datetime1">
               <a:rPr lang="en-US" smtClean="0"/>
-              <a:t>5/6/2020</a:t>
+              <a:t>5/8/2020</a:t>
             </a:fld>
             <a:endParaRPr lang="en-US" dirty="0"/>
           </a:p>
@@ -3408,7 +2943,7 @@
           <a:p>
             <a:fld id="{51394D71-7E45-4491-981E-8BAE3B08382E}" type="datetimeFigureOut">
               <a:rPr lang="en-US" smtClean="0"/>
-              <a:t>5/6/2020</a:t>
+              <a:t>5/8/2020</a:t>
             </a:fld>
             <a:endParaRPr lang="en-US"/>
           </a:p>
@@ -3585,7 +3120,7 @@
           <a:p>
             <a:fld id="{51394D71-7E45-4491-981E-8BAE3B08382E}" type="datetimeFigureOut">
               <a:rPr lang="en-US" smtClean="0"/>
-              <a:t>5/6/2020</a:t>
+              <a:t>5/8/2020</a:t>
             </a:fld>
             <a:endParaRPr lang="en-US"/>
           </a:p>
@@ -3909,7 +3444,7 @@
           <a:p>
             <a:fld id="{51394D71-7E45-4491-981E-8BAE3B08382E}" type="datetimeFigureOut">
               <a:rPr lang="en-US" smtClean="0"/>
-              <a:t>5/6/2020</a:t>
+              <a:t>5/8/2020</a:t>
             </a:fld>
             <a:endParaRPr lang="en-US"/>
           </a:p>
@@ -4302,7 +3837,7 @@
           <a:p>
             <a:fld id="{51394D71-7E45-4491-981E-8BAE3B08382E}" type="datetimeFigureOut">
               <a:rPr lang="en-US" smtClean="0"/>
-              <a:t>5/6/2020</a:t>
+              <a:t>5/8/2020</a:t>
             </a:fld>
             <a:endParaRPr lang="en-US"/>
           </a:p>
@@ -4733,7 +4268,7 @@
           <a:p>
             <a:fld id="{51394D71-7E45-4491-981E-8BAE3B08382E}" type="datetimeFigureOut">
               <a:rPr lang="en-US" smtClean="0"/>
-              <a:t>5/6/2020</a:t>
+              <a:t>5/8/2020</a:t>
             </a:fld>
             <a:endParaRPr lang="en-US"/>
           </a:p>
@@ -4850,7 +4385,7 @@
           <a:p>
             <a:fld id="{51394D71-7E45-4491-981E-8BAE3B08382E}" type="datetimeFigureOut">
               <a:rPr lang="en-US" smtClean="0"/>
-              <a:t>5/6/2020</a:t>
+              <a:t>5/8/2020</a:t>
             </a:fld>
             <a:endParaRPr lang="en-US"/>
           </a:p>
@@ -4945,7 +4480,7 @@
           <a:p>
             <a:fld id="{51394D71-7E45-4491-981E-8BAE3B08382E}" type="datetimeFigureOut">
               <a:rPr lang="en-US" smtClean="0"/>
-              <a:t>5/6/2020</a:t>
+              <a:t>5/8/2020</a:t>
             </a:fld>
             <a:endParaRPr lang="en-US"/>
           </a:p>
@@ -5293,7 +4828,7 @@
           <a:p>
             <a:fld id="{51394D71-7E45-4491-981E-8BAE3B08382E}" type="datetimeFigureOut">
               <a:rPr lang="en-US" smtClean="0"/>
-              <a:t>5/6/2020</a:t>
+              <a:t>5/8/2020</a:t>
             </a:fld>
             <a:endParaRPr lang="en-US"/>
           </a:p>
@@ -5568,7 +5103,7 @@
           <a:p>
             <a:fld id="{78DD82B9-B8EE-4375-B6FF-88FA6ABB15D9}" type="datetime1">
               <a:rPr lang="en-US" smtClean="0"/>
-              <a:t>5/6/2020</a:t>
+              <a:t>5/8/2020</a:t>
             </a:fld>
             <a:endParaRPr lang="en-US" dirty="0"/>
           </a:p>
@@ -5924,7 +5459,7 @@
           <a:p>
             <a:fld id="{51394D71-7E45-4491-981E-8BAE3B08382E}" type="datetimeFigureOut">
               <a:rPr lang="en-US" smtClean="0"/>
-              <a:t>5/6/2020</a:t>
+              <a:t>5/8/2020</a:t>
             </a:fld>
             <a:endParaRPr lang="en-US"/>
           </a:p>
@@ -6162,7 +5697,7 @@
           <a:p>
             <a:fld id="{51394D71-7E45-4491-981E-8BAE3B08382E}" type="datetimeFigureOut">
               <a:rPr lang="en-US" smtClean="0"/>
-              <a:t>5/6/2020</a:t>
+              <a:t>5/8/2020</a:t>
             </a:fld>
             <a:endParaRPr lang="en-US"/>
           </a:p>
@@ -6340,7 +5875,7 @@
           <a:p>
             <a:fld id="{51394D71-7E45-4491-981E-8BAE3B08382E}" type="datetimeFigureOut">
               <a:rPr lang="en-US" smtClean="0"/>
-              <a:t>5/6/2020</a:t>
+              <a:t>5/8/2020</a:t>
             </a:fld>
             <a:endParaRPr lang="en-US"/>
           </a:p>
@@ -6640,7 +6175,7 @@
           <a:p>
             <a:fld id="{B2497495-0637-405E-AE64-5CC7506D51F5}" type="datetime1">
               <a:rPr lang="en-US" smtClean="0"/>
-              <a:t>5/6/2020</a:t>
+              <a:t>5/8/2020</a:t>
             </a:fld>
             <a:endParaRPr lang="en-US" dirty="0"/>
           </a:p>
@@ -6893,7 +6428,7 @@
           <a:p>
             <a:fld id="{7BFFD690-9426-415D-8B65-26881E07B2D4}" type="datetime1">
               <a:rPr lang="en-US" smtClean="0"/>
-              <a:t>5/6/2020</a:t>
+              <a:t>5/8/2020</a:t>
             </a:fld>
             <a:endParaRPr lang="en-US" dirty="0"/>
           </a:p>
@@ -7315,7 +6850,7 @@
           <a:p>
             <a:fld id="{04C4989A-474C-40DE-95B9-011C28B71673}" type="datetime1">
               <a:rPr lang="en-US" smtClean="0"/>
-              <a:t>5/6/2020</a:t>
+              <a:t>5/8/2020</a:t>
             </a:fld>
             <a:endParaRPr lang="en-US" dirty="0"/>
           </a:p>
@@ -7438,7 +6973,7 @@
           <a:p>
             <a:fld id="{5DB4ED54-5B5E-4A04-93D3-5772E3CE3818}" type="datetime1">
               <a:rPr lang="en-US" smtClean="0"/>
-              <a:t>5/6/2020</a:t>
+              <a:t>5/8/2020</a:t>
             </a:fld>
             <a:endParaRPr lang="en-US" dirty="0"/>
           </a:p>
@@ -7533,7 +7068,7 @@
           <a:p>
             <a:fld id="{4EDE50D6-574B-40AF-946F-D52A04ADE379}" type="datetime1">
               <a:rPr lang="en-US" smtClean="0"/>
-              <a:t>5/6/2020</a:t>
+              <a:t>5/8/2020</a:t>
             </a:fld>
             <a:endParaRPr lang="en-US" dirty="0"/>
           </a:p>
@@ -7910,7 +7445,7 @@
           <a:p>
             <a:fld id="{D82884F1-FFEA-405F-9602-3DCA865EDA4E}" type="datetime1">
               <a:rPr lang="en-US" smtClean="0"/>
-              <a:t>5/6/2020</a:t>
+              <a:t>5/8/2020</a:t>
             </a:fld>
             <a:endParaRPr lang="en-US" dirty="0"/>
           </a:p>
@@ -8203,7 +7738,7 @@
           <a:p>
             <a:fld id="{7E18DB4A-8810-4A10-AD5C-D5E2C667F5B3}" type="datetime1">
               <a:rPr lang="en-US" smtClean="0"/>
-              <a:t>5/6/2020</a:t>
+              <a:t>5/8/2020</a:t>
             </a:fld>
             <a:endParaRPr lang="en-US" dirty="0"/>
           </a:p>
@@ -8418,7 +7953,7 @@
           <a:p>
             <a:fld id="{ED291B17-9318-49DB-B28B-6E5994AE9581}" type="datetime1">
               <a:rPr lang="en-US" smtClean="0"/>
-              <a:t>5/6/2020</a:t>
+              <a:t>5/8/2020</a:t>
             </a:fld>
             <a:endParaRPr lang="en-US" dirty="0"/>
           </a:p>
@@ -9183,7 +8718,7 @@
           <a:p>
             <a:fld id="{51394D71-7E45-4491-981E-8BAE3B08382E}" type="datetimeFigureOut">
               <a:rPr lang="en-US" smtClean="0"/>
-              <a:t>5/6/2020</a:t>
+              <a:t>5/8/2020</a:t>
             </a:fld>
             <a:endParaRPr lang="en-US"/>
           </a:p>
@@ -9976,8 +9511,8 @@
         </p:nvSpPr>
         <p:spPr>
           <a:xfrm>
-            <a:off x="638621" y="4739780"/>
-            <a:ext cx="3511233" cy="1147054"/>
+            <a:off x="95249" y="4237163"/>
+            <a:ext cx="4559046" cy="1673132"/>
           </a:xfrm>
         </p:spPr>
         <p:txBody>
@@ -9988,14 +9523,26 @@
           <a:p>
             <a:r>
               <a:rPr lang="en-US" sz="2200" dirty="0"/>
-              <a:t>CDG Security</a:t>
+              <a:t>Daniel Tetrick</a:t>
             </a:r>
           </a:p>
           <a:p>
             <a:r>
               <a:rPr lang="en-US" sz="2200" dirty="0"/>
-              <a:t>Daniel Tetrick</a:t>
-            </a:r>
+              <a:t>Microsoft - CDG Security</a:t>
+            </a:r>
+          </a:p>
+          <a:p>
+            <a:r>
+              <a:rPr lang="en-US" sz="1800" dirty="0">
+                <a:hlinkClick r:id="rId2"/>
+              </a:rPr>
+              <a:t>datetric@Microsoft.com</a:t>
+            </a:r>
+            <a:endParaRPr lang="en-US" sz="1800" dirty="0"/>
+          </a:p>
+          <a:p>
+            <a:endParaRPr lang="en-US" sz="2200" dirty="0"/>
           </a:p>
         </p:txBody>
       </p:sp>
@@ -10068,7 +9615,7 @@
           <p:nvPr/>
         </p:nvPicPr>
         <p:blipFill rotWithShape="1">
-          <a:blip r:embed="rId2"/>
+          <a:blip r:embed="rId3"/>
           <a:srcRect l="5015" r="21618" b="-1"/>
           <a:stretch/>
         </p:blipFill>
@@ -10112,6 +9659,85 @@
           <a:chExt cx="0" cy="0"/>
         </a:xfrm>
       </p:grpSpPr>
+      <p:pic>
+        <p:nvPicPr>
+          <p:cNvPr id="10" name="Content Placeholder 9">
+            <a:extLst>
+              <a:ext uri="{FF2B5EF4-FFF2-40B4-BE49-F238E27FC236}">
+                <a16:creationId xmlns:a16="http://schemas.microsoft.com/office/drawing/2014/main" id="{87100AEB-366E-4FEE-99F3-CA11F086207B}"/>
+              </a:ext>
+            </a:extLst>
+          </p:cNvPr>
+          <p:cNvPicPr>
+            <a:picLocks noGrp="1"/>
+          </p:cNvPicPr>
+          <p:nvPr>
+            <p:ph idx="1"/>
+          </p:nvPr>
+        </p:nvPicPr>
+        <p:blipFill>
+          <a:blip r:embed="rId3">
+            <a:extLst>
+              <a:ext uri="{28A0092B-C50C-407E-A947-70E740481C1C}">
+                <a14:useLocalDpi xmlns:a14="http://schemas.microsoft.com/office/drawing/2010/main" val="0"/>
+              </a:ext>
+            </a:extLst>
+          </a:blip>
+          <a:srcRect/>
+          <a:stretch>
+            <a:fillRect/>
+          </a:stretch>
+        </p:blipFill>
+        <p:spPr>
+          <a:xfrm>
+            <a:off x="123997" y="110644"/>
+            <a:ext cx="12004503" cy="6620356"/>
+          </a:xfrm>
+          <a:prstGeom prst="rect">
+            <a:avLst/>
+          </a:prstGeom>
+          <a:ln>
+            <a:noFill/>
+          </a:ln>
+          <a:effectLst>
+            <a:outerShdw blurRad="292100" dist="139700" dir="2700000" algn="tl" rotWithShape="0">
+              <a:srgbClr val="333333">
+                <a:alpha val="65000"/>
+              </a:srgbClr>
+            </a:outerShdw>
+          </a:effectLst>
+        </p:spPr>
+      </p:pic>
+    </p:spTree>
+    <p:extLst>
+      <p:ext uri="{BB962C8B-B14F-4D97-AF65-F5344CB8AC3E}">
+        <p14:creationId xmlns:p14="http://schemas.microsoft.com/office/powerpoint/2010/main" val="228518821"/>
+      </p:ext>
+    </p:extLst>
+  </p:cSld>
+  <p:clrMapOvr>
+    <a:masterClrMapping/>
+  </p:clrMapOvr>
+</p:sld>
+</file>
+
+<file path=ppt/slides/slide11.xml><?xml version="1.0" encoding="utf-8"?>
+<p:sld xmlns:a="http://schemas.openxmlformats.org/drawingml/2006/main" xmlns:r="http://schemas.openxmlformats.org/officeDocument/2006/relationships" xmlns:p="http://schemas.openxmlformats.org/presentationml/2006/main">
+  <p:cSld>
+    <p:spTree>
+      <p:nvGrpSpPr>
+        <p:cNvPr id="1" name=""/>
+        <p:cNvGrpSpPr/>
+        <p:nvPr/>
+      </p:nvGrpSpPr>
+      <p:grpSpPr>
+        <a:xfrm>
+          <a:off x="0" y="0"/>
+          <a:ext cx="0" cy="0"/>
+          <a:chOff x="0" y="0"/>
+          <a:chExt cx="0" cy="0"/>
+        </a:xfrm>
+      </p:grpSpPr>
       <p:sp>
         <p:nvSpPr>
           <p:cNvPr id="2" name="Title 1">
@@ -10191,7 +9817,7 @@
             <p:ph idx="1"/>
             <p:extLst>
               <p:ext uri="{D42A27DB-BD31-4B8C-83A1-F6EECF244321}">
-                <p14:modId xmlns:p14="http://schemas.microsoft.com/office/powerpoint/2010/main" val="2977812204"/>
+                <p14:modId xmlns:p14="http://schemas.microsoft.com/office/powerpoint/2010/main" val="2445041095"/>
               </p:ext>
             </p:extLst>
           </p:nvPr>
@@ -10258,7 +9884,7 @@
 </p:sld>
 </file>
 
-<file path=ppt/slides/slide11.xml><?xml version="1.0" encoding="utf-8"?>
+<file path=ppt/slides/slide12.xml><?xml version="1.0" encoding="utf-8"?>
 <p:sld xmlns:a="http://schemas.openxmlformats.org/drawingml/2006/main" xmlns:r="http://schemas.openxmlformats.org/officeDocument/2006/relationships" xmlns:p="http://schemas.openxmlformats.org/presentationml/2006/main">
   <p:cSld>
     <p:spTree>
@@ -10971,7 +10597,7 @@
 </p:sld>
 </file>
 
-<file path=ppt/slides/slide12.xml><?xml version="1.0" encoding="utf-8"?>
+<file path=ppt/slides/slide13.xml><?xml version="1.0" encoding="utf-8"?>
 <p:sld xmlns:a="http://schemas.openxmlformats.org/drawingml/2006/main" xmlns:r="http://schemas.openxmlformats.org/officeDocument/2006/relationships" xmlns:p="http://schemas.openxmlformats.org/presentationml/2006/main">
   <p:cSld>
     <p:spTree>
@@ -12932,7 +12558,7 @@
 </p:sld>
 </file>
 
-<file path=ppt/slides/slide13.xml><?xml version="1.0" encoding="utf-8"?>
+<file path=ppt/slides/slide14.xml><?xml version="1.0" encoding="utf-8"?>
 <p:sld xmlns:a="http://schemas.openxmlformats.org/drawingml/2006/main" xmlns:r="http://schemas.openxmlformats.org/officeDocument/2006/relationships" xmlns:p="http://schemas.openxmlformats.org/presentationml/2006/main">
   <p:cSld>
     <p:spTree>
@@ -13012,7 +12638,7 @@
           <p:cNvPr id="2" name="Title 1">
             <a:extLst>
               <a:ext uri="{FF2B5EF4-FFF2-40B4-BE49-F238E27FC236}">
-                <a16:creationId xmlns:a16="http://schemas.microsoft.com/office/drawing/2014/main" id="{4F347FB0-2B6C-4EAE-B112-E5604A3BDA0D}"/>
+                <a16:creationId xmlns:a16="http://schemas.microsoft.com/office/drawing/2014/main" id="{FBE508B1-E9BD-42D5-9DF6-BB02D5F4DDC9}"/>
               </a:ext>
             </a:extLst>
           </p:cNvPr>
@@ -13023,38 +12649,15 @@
             <p:ph type="title"/>
           </p:nvPr>
         </p:nvSpPr>
-        <p:spPr>
-          <a:xfrm>
-            <a:off x="421875" y="931419"/>
-            <a:ext cx="10953261" cy="1138459"/>
-          </a:xfrm>
-        </p:spPr>
+        <p:spPr/>
         <p:txBody>
-          <a:bodyPr>
-            <a:normAutofit/>
-          </a:bodyPr>
+          <a:bodyPr/>
           <a:lstStyle/>
           <a:p>
             <a:r>
               <a:rPr lang="en-US" dirty="0"/>
-              <a:t>Why is Asset Inventory Important?</a:t>
-            </a:r>
-            <a:br>
-              <a:rPr lang="en-US" dirty="0"/>
-            </a:br>
-            <a:r>
-              <a:rPr lang="en-US" sz="3100" dirty="0">
-                <a:solidFill>
-                  <a:srgbClr val="CC9900"/>
-                </a:solidFill>
-              </a:rPr>
-              <a:t>You can’t protect what you don’t know you have!</a:t>
-            </a:r>
-            <a:endParaRPr lang="en-US" dirty="0">
-              <a:solidFill>
-                <a:srgbClr val="CC9900"/>
-              </a:solidFill>
-            </a:endParaRPr>
+              <a:t>Agenda and Contact</a:t>
+            </a:r>
           </a:p>
         </p:txBody>
       </p:sp>
@@ -13063,7 +12666,7 @@
           <p:cNvPr id="3" name="Content Placeholder 2">
             <a:extLst>
               <a:ext uri="{FF2B5EF4-FFF2-40B4-BE49-F238E27FC236}">
-                <a16:creationId xmlns:a16="http://schemas.microsoft.com/office/drawing/2014/main" id="{57092E74-2EB8-423C-801E-37727CF9D227}"/>
+                <a16:creationId xmlns:a16="http://schemas.microsoft.com/office/drawing/2014/main" id="{99E3CEB8-0512-4CF1-A3AF-E7CA10B1CA9E}"/>
               </a:ext>
             </a:extLst>
           </p:cNvPr>
@@ -13074,558 +12677,146 @@
             <p:ph idx="1"/>
           </p:nvPr>
         </p:nvSpPr>
-        <p:spPr>
-          <a:xfrm>
-            <a:off x="1097280" y="2342608"/>
-            <a:ext cx="10398466" cy="1162568"/>
-          </a:xfrm>
-        </p:spPr>
+        <p:spPr/>
         <p:txBody>
           <a:bodyPr>
-            <a:normAutofit/>
+            <a:normAutofit fontScale="85000" lnSpcReduction="20000"/>
           </a:bodyPr>
           <a:lstStyle/>
           <a:p>
-            <a:r>
-              <a:rPr lang="en-US" sz="2400" dirty="0">
-                <a:solidFill>
-                  <a:schemeClr val="tx1"/>
-                </a:solidFill>
-                <a:effectLst/>
-                <a:ea typeface="Times New Roman" panose="02020603050405020304" pitchFamily="18" charset="0"/>
-                <a:cs typeface="Times New Roman" panose="02020603050405020304" pitchFamily="18" charset="0"/>
+            <a:pPr marL="457200" indent="-457200">
+              <a:buFont typeface="+mj-lt"/>
+              <a:buAutoNum type="arabicPeriod"/>
+            </a:pPr>
+            <a:r>
+              <a:rPr lang="en-US" sz="2000" dirty="0"/>
+              <a:t>Asset Inventory, Secure From Birth, &amp; Transient/Durable Assets (5 min)</a:t>
+            </a:r>
+          </a:p>
+          <a:p>
+            <a:pPr marL="457200" indent="-457200">
+              <a:buFont typeface="+mj-lt"/>
+              <a:buAutoNum type="arabicPeriod"/>
+            </a:pPr>
+            <a:r>
+              <a:rPr lang="en-US" sz="2000" dirty="0"/>
+              <a:t>Transient &amp; Durable Asset Analysis (5 min)</a:t>
+            </a:r>
+          </a:p>
+          <a:p>
+            <a:pPr marL="457200" indent="-457200">
+              <a:buFont typeface="+mj-lt"/>
+              <a:buAutoNum type="arabicPeriod"/>
+            </a:pPr>
+            <a:r>
+              <a:rPr lang="en-US" sz="2000" dirty="0"/>
+              <a:t>Binary Classifier &amp; ML Workflow (5 min)</a:t>
+            </a:r>
+          </a:p>
+          <a:p>
+            <a:pPr marL="457200" indent="-457200">
+              <a:buFont typeface="+mj-lt"/>
+              <a:buAutoNum type="arabicPeriod"/>
+            </a:pPr>
+            <a:r>
+              <a:rPr lang="en-US" sz="2000" dirty="0"/>
+              <a:t>Transience Light GBM Classifier Notebook (25 min)</a:t>
+            </a:r>
+          </a:p>
+          <a:p>
+            <a:pPr marL="457200" indent="-457200">
+              <a:buFont typeface="+mj-lt"/>
+              <a:buAutoNum type="arabicPeriod"/>
+            </a:pPr>
+            <a:r>
+              <a:rPr lang="en-US" sz="2000" dirty="0"/>
+              <a:t>Future State &amp; Next Steps (2 min)</a:t>
+            </a:r>
+          </a:p>
+          <a:p>
+            <a:pPr marL="457200" indent="-457200">
+              <a:buFont typeface="+mj-lt"/>
+              <a:buAutoNum type="arabicPeriod"/>
+            </a:pPr>
+            <a:r>
+              <a:rPr lang="en-US" sz="2000" dirty="0"/>
+              <a:t>Q &amp; A (8 min)</a:t>
+            </a:r>
+          </a:p>
+          <a:p>
+            <a:pPr marL="0" indent="0">
+              <a:buNone/>
+            </a:pPr>
+            <a:endParaRPr lang="en-US" sz="2000" dirty="0"/>
+          </a:p>
+          <a:p>
+            <a:r>
+              <a:rPr lang="en-US" sz="2000" dirty="0"/>
+              <a:t>GIT HUB: </a:t>
+            </a:r>
+            <a:r>
+              <a:rPr lang="en-US" sz="2000" dirty="0">
+                <a:hlinkClick r:id="rId2"/>
               </a:rPr>
-              <a:t>The ability to track and audit asset inventory is a requirement for many security standards, including the CIS, HIPAA, and PCI.</a:t>
-            </a:r>
-          </a:p>
-        </p:txBody>
-      </p:sp>
-      <p:sp>
-        <p:nvSpPr>
-          <p:cNvPr id="4" name="Content Placeholder 2">
-            <a:extLst>
-              <a:ext uri="{FF2B5EF4-FFF2-40B4-BE49-F238E27FC236}">
-                <a16:creationId xmlns:a16="http://schemas.microsoft.com/office/drawing/2014/main" id="{5A35421B-52E6-4CF0-A1B2-D34E7FEE4F56}"/>
-              </a:ext>
-            </a:extLst>
-          </p:cNvPr>
-          <p:cNvSpPr txBox="1">
-            <a:spLocks/>
-          </p:cNvSpPr>
-          <p:nvPr/>
-        </p:nvSpPr>
-        <p:spPr>
-          <a:xfrm>
-            <a:off x="1097280" y="4891068"/>
-            <a:ext cx="10398467" cy="1312926"/>
-          </a:xfrm>
-          <a:prstGeom prst="rect">
-            <a:avLst/>
-          </a:prstGeom>
-        </p:spPr>
-        <p:txBody>
-          <a:bodyPr vert="horz" lIns="91440" tIns="45720" rIns="91440" bIns="45720" rtlCol="0" anchor="ctr">
-            <a:normAutofit lnSpcReduction="10000"/>
-          </a:bodyPr>
-          <a:lstStyle>
-            <a:lvl1pPr marL="306000" indent="-306000" algn="l" defTabSz="457200" rtl="0" eaLnBrk="1" latinLnBrk="0" hangingPunct="1">
-              <a:lnSpc>
-                <a:spcPct val="120000"/>
-              </a:lnSpc>
-              <a:spcBef>
-                <a:spcPct val="20000"/>
-              </a:spcBef>
-              <a:spcAft>
-                <a:spcPts val="600"/>
-              </a:spcAft>
-              <a:buClr>
-                <a:schemeClr val="accent1"/>
-              </a:buClr>
-              <a:buSzPct val="92000"/>
-              <a:buFont typeface="Wingdings 2" panose="05020102010507070707" pitchFamily="18" charset="2"/>
-              <a:buChar char=""/>
-              <a:defRPr sz="1500" kern="1200">
-                <a:solidFill>
-                  <a:schemeClr val="tx1">
-                    <a:lumMod val="75000"/>
-                    <a:lumOff val="25000"/>
-                  </a:schemeClr>
-                </a:solidFill>
-                <a:latin typeface="+mn-lt"/>
-                <a:ea typeface="+mn-ea"/>
-                <a:cs typeface="+mn-cs"/>
-              </a:defRPr>
-            </a:lvl1pPr>
-            <a:lvl2pPr marL="630000" indent="-306000" algn="l" defTabSz="457200" rtl="0" eaLnBrk="1" latinLnBrk="0" hangingPunct="1">
-              <a:spcBef>
-                <a:spcPct val="20000"/>
-              </a:spcBef>
-              <a:spcAft>
-                <a:spcPts val="600"/>
-              </a:spcAft>
-              <a:buClr>
-                <a:schemeClr val="accent1"/>
-              </a:buClr>
-              <a:buSzPct val="92000"/>
-              <a:buFont typeface="Wingdings 2" panose="05020102010507070707" pitchFamily="18" charset="2"/>
-              <a:buChar char=""/>
-              <a:defRPr sz="1300" kern="1200">
-                <a:solidFill>
-                  <a:schemeClr val="tx1">
-                    <a:lumMod val="75000"/>
-                    <a:lumOff val="25000"/>
-                  </a:schemeClr>
-                </a:solidFill>
-                <a:latin typeface="+mn-lt"/>
-                <a:ea typeface="+mn-ea"/>
-                <a:cs typeface="+mn-cs"/>
-              </a:defRPr>
-            </a:lvl2pPr>
-            <a:lvl3pPr marL="900000" indent="-270000" algn="l" defTabSz="457200" rtl="0" eaLnBrk="1" latinLnBrk="0" hangingPunct="1">
-              <a:spcBef>
-                <a:spcPct val="20000"/>
-              </a:spcBef>
-              <a:spcAft>
-                <a:spcPts val="600"/>
-              </a:spcAft>
-              <a:buClr>
-                <a:schemeClr val="accent1"/>
-              </a:buClr>
-              <a:buSzPct val="92000"/>
-              <a:buFont typeface="Wingdings 2" panose="05020102010507070707" pitchFamily="18" charset="2"/>
-              <a:buChar char=""/>
-              <a:defRPr sz="1200" kern="1200">
-                <a:solidFill>
-                  <a:schemeClr val="tx1">
-                    <a:lumMod val="75000"/>
-                    <a:lumOff val="25000"/>
-                  </a:schemeClr>
-                </a:solidFill>
-                <a:latin typeface="+mn-lt"/>
-                <a:ea typeface="+mn-ea"/>
-                <a:cs typeface="+mn-cs"/>
-              </a:defRPr>
-            </a:lvl3pPr>
-            <a:lvl4pPr marL="1242000" indent="-234000" algn="l" defTabSz="457200" rtl="0" eaLnBrk="1" latinLnBrk="0" hangingPunct="1">
-              <a:spcBef>
-                <a:spcPct val="20000"/>
-              </a:spcBef>
-              <a:spcAft>
-                <a:spcPts val="600"/>
-              </a:spcAft>
-              <a:buClr>
-                <a:schemeClr val="accent1"/>
-              </a:buClr>
-              <a:buSzPct val="92000"/>
-              <a:buFont typeface="Wingdings 2" panose="05020102010507070707" pitchFamily="18" charset="2"/>
-              <a:buChar char=""/>
-              <a:defRPr sz="1100" kern="1200">
-                <a:solidFill>
-                  <a:schemeClr val="tx1">
-                    <a:lumMod val="75000"/>
-                    <a:lumOff val="25000"/>
-                  </a:schemeClr>
-                </a:solidFill>
-                <a:latin typeface="+mn-lt"/>
-                <a:ea typeface="+mn-ea"/>
-                <a:cs typeface="+mn-cs"/>
-              </a:defRPr>
-            </a:lvl4pPr>
-            <a:lvl5pPr marL="1602000" indent="-234000" algn="l" defTabSz="457200" rtl="0" eaLnBrk="1" latinLnBrk="0" hangingPunct="1">
-              <a:spcBef>
-                <a:spcPct val="20000"/>
-              </a:spcBef>
-              <a:spcAft>
-                <a:spcPts val="600"/>
-              </a:spcAft>
-              <a:buClr>
-                <a:schemeClr val="accent1"/>
-              </a:buClr>
-              <a:buSzPct val="92000"/>
-              <a:buFont typeface="Wingdings 2" panose="05020102010507070707" pitchFamily="18" charset="2"/>
-              <a:buChar char=""/>
-              <a:defRPr sz="1100" kern="1200">
-                <a:solidFill>
-                  <a:schemeClr val="tx1">
-                    <a:lumMod val="75000"/>
-                    <a:lumOff val="25000"/>
-                  </a:schemeClr>
-                </a:solidFill>
-                <a:latin typeface="+mn-lt"/>
-                <a:ea typeface="+mn-ea"/>
-                <a:cs typeface="+mn-cs"/>
-              </a:defRPr>
-            </a:lvl5pPr>
-            <a:lvl6pPr marL="1900000" indent="-228600" algn="l" defTabSz="457200" rtl="0" eaLnBrk="1" latinLnBrk="0" hangingPunct="1">
-              <a:spcBef>
-                <a:spcPct val="20000"/>
-              </a:spcBef>
-              <a:spcAft>
-                <a:spcPts val="600"/>
-              </a:spcAft>
-              <a:buClr>
-                <a:schemeClr val="accent2"/>
-              </a:buClr>
-              <a:buSzPct val="92000"/>
-              <a:buFont typeface="Wingdings 2" panose="05020102010507070707" pitchFamily="18" charset="2"/>
-              <a:buChar char=""/>
-              <a:defRPr sz="1200" kern="1200">
-                <a:solidFill>
-                  <a:schemeClr val="tx2"/>
-                </a:solidFill>
-                <a:latin typeface="+mn-lt"/>
-                <a:ea typeface="+mn-ea"/>
-                <a:cs typeface="+mn-cs"/>
-              </a:defRPr>
-            </a:lvl6pPr>
-            <a:lvl7pPr marL="2200000" indent="-228600" algn="l" defTabSz="457200" rtl="0" eaLnBrk="1" latinLnBrk="0" hangingPunct="1">
-              <a:spcBef>
-                <a:spcPct val="20000"/>
-              </a:spcBef>
-              <a:spcAft>
-                <a:spcPts val="600"/>
-              </a:spcAft>
-              <a:buClr>
-                <a:schemeClr val="accent2"/>
-              </a:buClr>
-              <a:buSzPct val="92000"/>
-              <a:buFont typeface="Wingdings 2" panose="05020102010507070707" pitchFamily="18" charset="2"/>
-              <a:buChar char=""/>
-              <a:defRPr sz="1200" kern="1200">
-                <a:solidFill>
-                  <a:schemeClr val="tx2"/>
-                </a:solidFill>
-                <a:latin typeface="+mn-lt"/>
-                <a:ea typeface="+mn-ea"/>
-                <a:cs typeface="+mn-cs"/>
-              </a:defRPr>
-            </a:lvl7pPr>
-            <a:lvl8pPr marL="2500000" indent="-228600" algn="l" defTabSz="457200" rtl="0" eaLnBrk="1" latinLnBrk="0" hangingPunct="1">
-              <a:spcBef>
-                <a:spcPct val="20000"/>
-              </a:spcBef>
-              <a:spcAft>
-                <a:spcPts val="600"/>
-              </a:spcAft>
-              <a:buClr>
-                <a:schemeClr val="accent2"/>
-              </a:buClr>
-              <a:buSzPct val="92000"/>
-              <a:buFont typeface="Wingdings 2" panose="05020102010507070707" pitchFamily="18" charset="2"/>
-              <a:buChar char=""/>
-              <a:defRPr sz="1200" kern="1200">
-                <a:solidFill>
-                  <a:schemeClr val="tx2"/>
-                </a:solidFill>
-                <a:latin typeface="+mn-lt"/>
-                <a:ea typeface="+mn-ea"/>
-                <a:cs typeface="+mn-cs"/>
-              </a:defRPr>
-            </a:lvl8pPr>
-            <a:lvl9pPr marL="2800000" indent="-228600" algn="l" defTabSz="457200" rtl="0" eaLnBrk="1" latinLnBrk="0" hangingPunct="1">
-              <a:spcBef>
-                <a:spcPct val="20000"/>
-              </a:spcBef>
-              <a:spcAft>
-                <a:spcPts val="600"/>
-              </a:spcAft>
-              <a:buClr>
-                <a:schemeClr val="accent2"/>
-              </a:buClr>
-              <a:buSzPct val="92000"/>
-              <a:buFont typeface="Wingdings 2" panose="05020102010507070707" pitchFamily="18" charset="2"/>
-              <a:buChar char=""/>
-              <a:defRPr sz="1200" kern="1200">
-                <a:solidFill>
-                  <a:schemeClr val="tx2"/>
-                </a:solidFill>
-                <a:latin typeface="+mn-lt"/>
-                <a:ea typeface="+mn-ea"/>
-                <a:cs typeface="+mn-cs"/>
-              </a:defRPr>
-            </a:lvl9pPr>
-          </a:lstStyle>
-          <a:p>
-            <a:r>
-              <a:rPr lang="en-US" sz="2400" dirty="0">
-                <a:solidFill>
-                  <a:srgbClr val="333333"/>
-                </a:solidFill>
+              <a:t>github.com/</a:t>
+            </a:r>
+            <a:r>
+              <a:rPr lang="en-US" sz="2000" dirty="0" err="1">
+                <a:hlinkClick r:id="rId2"/>
               </a:rPr>
-              <a:t>A strong asset inventory system allows you to support functions such as incident response, hunt, detections, analysis and machine learning</a:t>
-            </a:r>
-            <a:endParaRPr lang="en-US" sz="2400" dirty="0">
-              <a:solidFill>
-                <a:schemeClr val="tx1"/>
-              </a:solidFill>
-            </a:endParaRPr>
-          </a:p>
-        </p:txBody>
-      </p:sp>
-      <p:sp>
-        <p:nvSpPr>
-          <p:cNvPr id="6" name="Content Placeholder 2">
-            <a:extLst>
-              <a:ext uri="{FF2B5EF4-FFF2-40B4-BE49-F238E27FC236}">
-                <a16:creationId xmlns:a16="http://schemas.microsoft.com/office/drawing/2014/main" id="{DC10272B-DEAA-4BFB-8952-97B786528DB9}"/>
-              </a:ext>
-            </a:extLst>
-          </p:cNvPr>
-          <p:cNvSpPr txBox="1">
-            <a:spLocks/>
-          </p:cNvSpPr>
-          <p:nvPr/>
-        </p:nvSpPr>
-        <p:spPr>
-          <a:xfrm>
-            <a:off x="1097280" y="3668495"/>
-            <a:ext cx="10398466" cy="1059254"/>
-          </a:xfrm>
-          <a:prstGeom prst="rect">
-            <a:avLst/>
-          </a:prstGeom>
-        </p:spPr>
-        <p:txBody>
-          <a:bodyPr vert="horz" lIns="91440" tIns="45720" rIns="91440" bIns="45720" rtlCol="0" anchor="ctr">
-            <a:normAutofit/>
-          </a:bodyPr>
-          <a:lstStyle>
-            <a:lvl1pPr marL="306000" indent="-306000" algn="l" defTabSz="457200" rtl="0" eaLnBrk="1" latinLnBrk="0" hangingPunct="1">
-              <a:lnSpc>
-                <a:spcPct val="120000"/>
-              </a:lnSpc>
-              <a:spcBef>
-                <a:spcPct val="20000"/>
-              </a:spcBef>
-              <a:spcAft>
-                <a:spcPts val="600"/>
-              </a:spcAft>
-              <a:buClr>
-                <a:schemeClr val="accent1"/>
-              </a:buClr>
-              <a:buSzPct val="92000"/>
-              <a:buFont typeface="Wingdings 2" panose="05020102010507070707" pitchFamily="18" charset="2"/>
-              <a:buChar char=""/>
-              <a:defRPr sz="1500" kern="1200">
-                <a:solidFill>
-                  <a:schemeClr val="tx1">
-                    <a:lumMod val="75000"/>
-                    <a:lumOff val="25000"/>
-                  </a:schemeClr>
-                </a:solidFill>
-                <a:latin typeface="+mn-lt"/>
-                <a:ea typeface="+mn-ea"/>
-                <a:cs typeface="+mn-cs"/>
-              </a:defRPr>
-            </a:lvl1pPr>
-            <a:lvl2pPr marL="630000" indent="-306000" algn="l" defTabSz="457200" rtl="0" eaLnBrk="1" latinLnBrk="0" hangingPunct="1">
-              <a:spcBef>
-                <a:spcPct val="20000"/>
-              </a:spcBef>
-              <a:spcAft>
-                <a:spcPts val="600"/>
-              </a:spcAft>
-              <a:buClr>
-                <a:schemeClr val="accent1"/>
-              </a:buClr>
-              <a:buSzPct val="92000"/>
-              <a:buFont typeface="Wingdings 2" panose="05020102010507070707" pitchFamily="18" charset="2"/>
-              <a:buChar char=""/>
-              <a:defRPr sz="1300" kern="1200">
-                <a:solidFill>
-                  <a:schemeClr val="tx1">
-                    <a:lumMod val="75000"/>
-                    <a:lumOff val="25000"/>
-                  </a:schemeClr>
-                </a:solidFill>
-                <a:latin typeface="+mn-lt"/>
-                <a:ea typeface="+mn-ea"/>
-                <a:cs typeface="+mn-cs"/>
-              </a:defRPr>
-            </a:lvl2pPr>
-            <a:lvl3pPr marL="900000" indent="-270000" algn="l" defTabSz="457200" rtl="0" eaLnBrk="1" latinLnBrk="0" hangingPunct="1">
-              <a:spcBef>
-                <a:spcPct val="20000"/>
-              </a:spcBef>
-              <a:spcAft>
-                <a:spcPts val="600"/>
-              </a:spcAft>
-              <a:buClr>
-                <a:schemeClr val="accent1"/>
-              </a:buClr>
-              <a:buSzPct val="92000"/>
-              <a:buFont typeface="Wingdings 2" panose="05020102010507070707" pitchFamily="18" charset="2"/>
-              <a:buChar char=""/>
-              <a:defRPr sz="1200" kern="1200">
-                <a:solidFill>
-                  <a:schemeClr val="tx1">
-                    <a:lumMod val="75000"/>
-                    <a:lumOff val="25000"/>
-                  </a:schemeClr>
-                </a:solidFill>
-                <a:latin typeface="+mn-lt"/>
-                <a:ea typeface="+mn-ea"/>
-                <a:cs typeface="+mn-cs"/>
-              </a:defRPr>
-            </a:lvl3pPr>
-            <a:lvl4pPr marL="1242000" indent="-234000" algn="l" defTabSz="457200" rtl="0" eaLnBrk="1" latinLnBrk="0" hangingPunct="1">
-              <a:spcBef>
-                <a:spcPct val="20000"/>
-              </a:spcBef>
-              <a:spcAft>
-                <a:spcPts val="600"/>
-              </a:spcAft>
-              <a:buClr>
-                <a:schemeClr val="accent1"/>
-              </a:buClr>
-              <a:buSzPct val="92000"/>
-              <a:buFont typeface="Wingdings 2" panose="05020102010507070707" pitchFamily="18" charset="2"/>
-              <a:buChar char=""/>
-              <a:defRPr sz="1100" kern="1200">
-                <a:solidFill>
-                  <a:schemeClr val="tx1">
-                    <a:lumMod val="75000"/>
-                    <a:lumOff val="25000"/>
-                  </a:schemeClr>
-                </a:solidFill>
-                <a:latin typeface="+mn-lt"/>
-                <a:ea typeface="+mn-ea"/>
-                <a:cs typeface="+mn-cs"/>
-              </a:defRPr>
-            </a:lvl4pPr>
-            <a:lvl5pPr marL="1602000" indent="-234000" algn="l" defTabSz="457200" rtl="0" eaLnBrk="1" latinLnBrk="0" hangingPunct="1">
-              <a:spcBef>
-                <a:spcPct val="20000"/>
-              </a:spcBef>
-              <a:spcAft>
-                <a:spcPts val="600"/>
-              </a:spcAft>
-              <a:buClr>
-                <a:schemeClr val="accent1"/>
-              </a:buClr>
-              <a:buSzPct val="92000"/>
-              <a:buFont typeface="Wingdings 2" panose="05020102010507070707" pitchFamily="18" charset="2"/>
-              <a:buChar char=""/>
-              <a:defRPr sz="1100" kern="1200">
-                <a:solidFill>
-                  <a:schemeClr val="tx1">
-                    <a:lumMod val="75000"/>
-                    <a:lumOff val="25000"/>
-                  </a:schemeClr>
-                </a:solidFill>
-                <a:latin typeface="+mn-lt"/>
-                <a:ea typeface="+mn-ea"/>
-                <a:cs typeface="+mn-cs"/>
-              </a:defRPr>
-            </a:lvl5pPr>
-            <a:lvl6pPr marL="1900000" indent="-228600" algn="l" defTabSz="457200" rtl="0" eaLnBrk="1" latinLnBrk="0" hangingPunct="1">
-              <a:spcBef>
-                <a:spcPct val="20000"/>
-              </a:spcBef>
-              <a:spcAft>
-                <a:spcPts val="600"/>
-              </a:spcAft>
-              <a:buClr>
-                <a:schemeClr val="accent2"/>
-              </a:buClr>
-              <a:buSzPct val="92000"/>
-              <a:buFont typeface="Wingdings 2" panose="05020102010507070707" pitchFamily="18" charset="2"/>
-              <a:buChar char=""/>
-              <a:defRPr sz="1200" kern="1200">
-                <a:solidFill>
-                  <a:schemeClr val="tx2"/>
-                </a:solidFill>
-                <a:latin typeface="+mn-lt"/>
-                <a:ea typeface="+mn-ea"/>
-                <a:cs typeface="+mn-cs"/>
-              </a:defRPr>
-            </a:lvl6pPr>
-            <a:lvl7pPr marL="2200000" indent="-228600" algn="l" defTabSz="457200" rtl="0" eaLnBrk="1" latinLnBrk="0" hangingPunct="1">
-              <a:spcBef>
-                <a:spcPct val="20000"/>
-              </a:spcBef>
-              <a:spcAft>
-                <a:spcPts val="600"/>
-              </a:spcAft>
-              <a:buClr>
-                <a:schemeClr val="accent2"/>
-              </a:buClr>
-              <a:buSzPct val="92000"/>
-              <a:buFont typeface="Wingdings 2" panose="05020102010507070707" pitchFamily="18" charset="2"/>
-              <a:buChar char=""/>
-              <a:defRPr sz="1200" kern="1200">
-                <a:solidFill>
-                  <a:schemeClr val="tx2"/>
-                </a:solidFill>
-                <a:latin typeface="+mn-lt"/>
-                <a:ea typeface="+mn-ea"/>
-                <a:cs typeface="+mn-cs"/>
-              </a:defRPr>
-            </a:lvl7pPr>
-            <a:lvl8pPr marL="2500000" indent="-228600" algn="l" defTabSz="457200" rtl="0" eaLnBrk="1" latinLnBrk="0" hangingPunct="1">
-              <a:spcBef>
-                <a:spcPct val="20000"/>
-              </a:spcBef>
-              <a:spcAft>
-                <a:spcPts val="600"/>
-              </a:spcAft>
-              <a:buClr>
-                <a:schemeClr val="accent2"/>
-              </a:buClr>
-              <a:buSzPct val="92000"/>
-              <a:buFont typeface="Wingdings 2" panose="05020102010507070707" pitchFamily="18" charset="2"/>
-              <a:buChar char=""/>
-              <a:defRPr sz="1200" kern="1200">
-                <a:solidFill>
-                  <a:schemeClr val="tx2"/>
-                </a:solidFill>
-                <a:latin typeface="+mn-lt"/>
-                <a:ea typeface="+mn-ea"/>
-                <a:cs typeface="+mn-cs"/>
-              </a:defRPr>
-            </a:lvl8pPr>
-            <a:lvl9pPr marL="2800000" indent="-228600" algn="l" defTabSz="457200" rtl="0" eaLnBrk="1" latinLnBrk="0" hangingPunct="1">
-              <a:spcBef>
-                <a:spcPct val="20000"/>
-              </a:spcBef>
-              <a:spcAft>
-                <a:spcPts val="600"/>
-              </a:spcAft>
-              <a:buClr>
-                <a:schemeClr val="accent2"/>
-              </a:buClr>
-              <a:buSzPct val="92000"/>
-              <a:buFont typeface="Wingdings 2" panose="05020102010507070707" pitchFamily="18" charset="2"/>
-              <a:buChar char=""/>
-              <a:defRPr sz="1200" kern="1200">
-                <a:solidFill>
-                  <a:schemeClr val="tx2"/>
-                </a:solidFill>
-                <a:latin typeface="+mn-lt"/>
-                <a:ea typeface="+mn-ea"/>
-                <a:cs typeface="+mn-cs"/>
-              </a:defRPr>
-            </a:lvl9pPr>
-          </a:lstStyle>
-          <a:p>
-            <a:r>
-              <a:rPr lang="en-US" sz="2400" dirty="0"/>
-              <a:t>When a security event happens, you need to know who to identify as the owner to begin remediation.</a:t>
-            </a:r>
-            <a:endParaRPr lang="en-US" sz="2400" dirty="0">
-              <a:solidFill>
-                <a:schemeClr val="tx1"/>
-              </a:solidFill>
-              <a:ea typeface="Times New Roman" panose="02020603050405020304" pitchFamily="18" charset="0"/>
-              <a:cs typeface="Times New Roman" panose="02020603050405020304" pitchFamily="18" charset="0"/>
-            </a:endParaRPr>
+              <a:t>dantetrick</a:t>
+            </a:r>
+            <a:r>
+              <a:rPr lang="en-US" sz="2000" dirty="0">
+                <a:hlinkClick r:id="rId2"/>
+              </a:rPr>
+              <a:t>/</a:t>
+            </a:r>
+            <a:r>
+              <a:rPr lang="en-US" sz="2000" dirty="0" err="1">
+                <a:hlinkClick r:id="rId2"/>
+              </a:rPr>
+              <a:t>Transience_Databricks_LightGBMClassifier</a:t>
+            </a:r>
+            <a:endParaRPr lang="en-US" sz="2000" dirty="0"/>
+          </a:p>
+          <a:p>
+            <a:r>
+              <a:rPr lang="en-US" sz="2000" dirty="0"/>
+              <a:t>SOCIAL: </a:t>
+            </a:r>
+            <a:r>
+              <a:rPr lang="en-US" sz="2000" dirty="0">
+                <a:hlinkClick r:id="rId3"/>
+              </a:rPr>
+              <a:t>linkedin.com/in/</a:t>
+            </a:r>
+            <a:r>
+              <a:rPr lang="en-US" sz="2000" dirty="0" err="1">
+                <a:hlinkClick r:id="rId3"/>
+              </a:rPr>
+              <a:t>dantetrick</a:t>
+            </a:r>
+            <a:r>
+              <a:rPr lang="en-US" sz="2000" dirty="0">
+                <a:hlinkClick r:id="rId3"/>
+              </a:rPr>
+              <a:t>/</a:t>
+            </a:r>
+            <a:endParaRPr lang="en-US" sz="2000" dirty="0"/>
+          </a:p>
+          <a:p>
+            <a:pPr marL="0" indent="0">
+              <a:buNone/>
+            </a:pPr>
+            <a:endParaRPr lang="en-US" sz="2000" dirty="0"/>
           </a:p>
         </p:txBody>
       </p:sp>
     </p:spTree>
     <p:extLst>
       <p:ext uri="{BB962C8B-B14F-4D97-AF65-F5344CB8AC3E}">
-        <p14:creationId xmlns:p14="http://schemas.microsoft.com/office/powerpoint/2010/main" val="819427914"/>
+        <p14:creationId xmlns:p14="http://schemas.microsoft.com/office/powerpoint/2010/main" val="1560594232"/>
       </p:ext>
     </p:extLst>
   </p:cSld>
@@ -13653,7 +12844,7 @@
                             </p:stCondLst>
                             <p:childTnLst>
                               <p:par>
-                                <p:cTn id="5" presetID="1" presetClass="entr" presetSubtype="0" fill="hold" grpId="0" nodeType="clickEffect">
+                                <p:cTn id="5" presetID="1" presetClass="entr" presetSubtype="0" fill="hold" nodeType="clickEffect">
                                   <p:stCondLst>
                                     <p:cond delay="0"/>
                                   </p:stCondLst>
@@ -13702,6 +12893,1003 @@
                             </p:stCondLst>
                             <p:childTnLst>
                               <p:par>
+                                <p:cTn id="9" presetID="1" presetClass="entr" presetSubtype="0" fill="hold" nodeType="clickEffect">
+                                  <p:stCondLst>
+                                    <p:cond delay="0"/>
+                                  </p:stCondLst>
+                                  <p:childTnLst>
+                                    <p:set>
+                                      <p:cBhvr>
+                                        <p:cTn id="10" dur="1" fill="hold">
+                                          <p:stCondLst>
+                                            <p:cond delay="0"/>
+                                          </p:stCondLst>
+                                        </p:cTn>
+                                        <p:tgtEl>
+                                          <p:spTgt spid="3">
+                                            <p:txEl>
+                                              <p:pRg st="1" end="1"/>
+                                            </p:txEl>
+                                          </p:spTgt>
+                                        </p:tgtEl>
+                                        <p:attrNameLst>
+                                          <p:attrName>style.visibility</p:attrName>
+                                        </p:attrNameLst>
+                                      </p:cBhvr>
+                                      <p:to>
+                                        <p:strVal val="visible"/>
+                                      </p:to>
+                                    </p:set>
+                                  </p:childTnLst>
+                                </p:cTn>
+                              </p:par>
+                            </p:childTnLst>
+                          </p:cTn>
+                        </p:par>
+                      </p:childTnLst>
+                    </p:cTn>
+                  </p:par>
+                  <p:par>
+                    <p:cTn id="11" fill="hold">
+                      <p:stCondLst>
+                        <p:cond delay="indefinite"/>
+                      </p:stCondLst>
+                      <p:childTnLst>
+                        <p:par>
+                          <p:cTn id="12" fill="hold">
+                            <p:stCondLst>
+                              <p:cond delay="0"/>
+                            </p:stCondLst>
+                            <p:childTnLst>
+                              <p:par>
+                                <p:cTn id="13" presetID="1" presetClass="entr" presetSubtype="0" fill="hold" nodeType="clickEffect">
+                                  <p:stCondLst>
+                                    <p:cond delay="0"/>
+                                  </p:stCondLst>
+                                  <p:childTnLst>
+                                    <p:set>
+                                      <p:cBhvr>
+                                        <p:cTn id="14" dur="1" fill="hold">
+                                          <p:stCondLst>
+                                            <p:cond delay="0"/>
+                                          </p:stCondLst>
+                                        </p:cTn>
+                                        <p:tgtEl>
+                                          <p:spTgt spid="3">
+                                            <p:txEl>
+                                              <p:pRg st="2" end="2"/>
+                                            </p:txEl>
+                                          </p:spTgt>
+                                        </p:tgtEl>
+                                        <p:attrNameLst>
+                                          <p:attrName>style.visibility</p:attrName>
+                                        </p:attrNameLst>
+                                      </p:cBhvr>
+                                      <p:to>
+                                        <p:strVal val="visible"/>
+                                      </p:to>
+                                    </p:set>
+                                  </p:childTnLst>
+                                </p:cTn>
+                              </p:par>
+                            </p:childTnLst>
+                          </p:cTn>
+                        </p:par>
+                      </p:childTnLst>
+                    </p:cTn>
+                  </p:par>
+                  <p:par>
+                    <p:cTn id="15" fill="hold">
+                      <p:stCondLst>
+                        <p:cond delay="indefinite"/>
+                      </p:stCondLst>
+                      <p:childTnLst>
+                        <p:par>
+                          <p:cTn id="16" fill="hold">
+                            <p:stCondLst>
+                              <p:cond delay="0"/>
+                            </p:stCondLst>
+                            <p:childTnLst>
+                              <p:par>
+                                <p:cTn id="17" presetID="1" presetClass="entr" presetSubtype="0" fill="hold" nodeType="clickEffect">
+                                  <p:stCondLst>
+                                    <p:cond delay="0"/>
+                                  </p:stCondLst>
+                                  <p:childTnLst>
+                                    <p:set>
+                                      <p:cBhvr>
+                                        <p:cTn id="18" dur="1" fill="hold">
+                                          <p:stCondLst>
+                                            <p:cond delay="0"/>
+                                          </p:stCondLst>
+                                        </p:cTn>
+                                        <p:tgtEl>
+                                          <p:spTgt spid="3">
+                                            <p:txEl>
+                                              <p:pRg st="3" end="3"/>
+                                            </p:txEl>
+                                          </p:spTgt>
+                                        </p:tgtEl>
+                                        <p:attrNameLst>
+                                          <p:attrName>style.visibility</p:attrName>
+                                        </p:attrNameLst>
+                                      </p:cBhvr>
+                                      <p:to>
+                                        <p:strVal val="visible"/>
+                                      </p:to>
+                                    </p:set>
+                                  </p:childTnLst>
+                                </p:cTn>
+                              </p:par>
+                            </p:childTnLst>
+                          </p:cTn>
+                        </p:par>
+                      </p:childTnLst>
+                    </p:cTn>
+                  </p:par>
+                  <p:par>
+                    <p:cTn id="19" fill="hold">
+                      <p:stCondLst>
+                        <p:cond delay="indefinite"/>
+                      </p:stCondLst>
+                      <p:childTnLst>
+                        <p:par>
+                          <p:cTn id="20" fill="hold">
+                            <p:stCondLst>
+                              <p:cond delay="0"/>
+                            </p:stCondLst>
+                            <p:childTnLst>
+                              <p:par>
+                                <p:cTn id="21" presetID="1" presetClass="entr" presetSubtype="0" fill="hold" nodeType="clickEffect">
+                                  <p:stCondLst>
+                                    <p:cond delay="0"/>
+                                  </p:stCondLst>
+                                  <p:childTnLst>
+                                    <p:set>
+                                      <p:cBhvr>
+                                        <p:cTn id="22" dur="1" fill="hold">
+                                          <p:stCondLst>
+                                            <p:cond delay="0"/>
+                                          </p:stCondLst>
+                                        </p:cTn>
+                                        <p:tgtEl>
+                                          <p:spTgt spid="3">
+                                            <p:txEl>
+                                              <p:pRg st="4" end="4"/>
+                                            </p:txEl>
+                                          </p:spTgt>
+                                        </p:tgtEl>
+                                        <p:attrNameLst>
+                                          <p:attrName>style.visibility</p:attrName>
+                                        </p:attrNameLst>
+                                      </p:cBhvr>
+                                      <p:to>
+                                        <p:strVal val="visible"/>
+                                      </p:to>
+                                    </p:set>
+                                  </p:childTnLst>
+                                </p:cTn>
+                              </p:par>
+                            </p:childTnLst>
+                          </p:cTn>
+                        </p:par>
+                      </p:childTnLst>
+                    </p:cTn>
+                  </p:par>
+                  <p:par>
+                    <p:cTn id="23" fill="hold">
+                      <p:stCondLst>
+                        <p:cond delay="indefinite"/>
+                      </p:stCondLst>
+                      <p:childTnLst>
+                        <p:par>
+                          <p:cTn id="24" fill="hold">
+                            <p:stCondLst>
+                              <p:cond delay="0"/>
+                            </p:stCondLst>
+                            <p:childTnLst>
+                              <p:par>
+                                <p:cTn id="25" presetID="1" presetClass="entr" presetSubtype="0" fill="hold" nodeType="clickEffect">
+                                  <p:stCondLst>
+                                    <p:cond delay="0"/>
+                                  </p:stCondLst>
+                                  <p:childTnLst>
+                                    <p:set>
+                                      <p:cBhvr>
+                                        <p:cTn id="26" dur="1" fill="hold">
+                                          <p:stCondLst>
+                                            <p:cond delay="0"/>
+                                          </p:stCondLst>
+                                        </p:cTn>
+                                        <p:tgtEl>
+                                          <p:spTgt spid="3">
+                                            <p:txEl>
+                                              <p:pRg st="5" end="5"/>
+                                            </p:txEl>
+                                          </p:spTgt>
+                                        </p:tgtEl>
+                                        <p:attrNameLst>
+                                          <p:attrName>style.visibility</p:attrName>
+                                        </p:attrNameLst>
+                                      </p:cBhvr>
+                                      <p:to>
+                                        <p:strVal val="visible"/>
+                                      </p:to>
+                                    </p:set>
+                                  </p:childTnLst>
+                                </p:cTn>
+                              </p:par>
+                            </p:childTnLst>
+                          </p:cTn>
+                        </p:par>
+                      </p:childTnLst>
+                    </p:cTn>
+                  </p:par>
+                </p:childTnLst>
+              </p:cTn>
+              <p:prevCondLst>
+                <p:cond evt="onPrev" delay="0">
+                  <p:tgtEl>
+                    <p:sldTgt/>
+                  </p:tgtEl>
+                </p:cond>
+              </p:prevCondLst>
+              <p:nextCondLst>
+                <p:cond evt="onNext" delay="0">
+                  <p:tgtEl>
+                    <p:sldTgt/>
+                  </p:tgtEl>
+                </p:cond>
+              </p:nextCondLst>
+            </p:seq>
+          </p:childTnLst>
+        </p:cTn>
+      </p:par>
+    </p:tnLst>
+  </p:timing>
+</p:sld>
+</file>
+
+<file path=ppt/slides/slide3.xml><?xml version="1.0" encoding="utf-8"?>
+<p:sld xmlns:a="http://schemas.openxmlformats.org/drawingml/2006/main" xmlns:r="http://schemas.openxmlformats.org/officeDocument/2006/relationships" xmlns:p="http://schemas.openxmlformats.org/presentationml/2006/main">
+  <p:cSld>
+    <p:spTree>
+      <p:nvGrpSpPr>
+        <p:cNvPr id="1" name=""/>
+        <p:cNvGrpSpPr/>
+        <p:nvPr/>
+      </p:nvGrpSpPr>
+      <p:grpSpPr>
+        <a:xfrm>
+          <a:off x="0" y="0"/>
+          <a:ext cx="0" cy="0"/>
+          <a:chOff x="0" y="0"/>
+          <a:chExt cx="0" cy="0"/>
+        </a:xfrm>
+      </p:grpSpPr>
+      <p:sp>
+        <p:nvSpPr>
+          <p:cNvPr id="2" name="Title 1">
+            <a:extLst>
+              <a:ext uri="{FF2B5EF4-FFF2-40B4-BE49-F238E27FC236}">
+                <a16:creationId xmlns:a16="http://schemas.microsoft.com/office/drawing/2014/main" id="{4F347FB0-2B6C-4EAE-B112-E5604A3BDA0D}"/>
+              </a:ext>
+            </a:extLst>
+          </p:cNvPr>
+          <p:cNvSpPr>
+            <a:spLocks noGrp="1"/>
+          </p:cNvSpPr>
+          <p:nvPr>
+            <p:ph type="title"/>
+          </p:nvPr>
+        </p:nvSpPr>
+        <p:spPr>
+          <a:xfrm>
+            <a:off x="421875" y="931419"/>
+            <a:ext cx="10953261" cy="1162568"/>
+          </a:xfrm>
+        </p:spPr>
+        <p:txBody>
+          <a:bodyPr>
+            <a:normAutofit fontScale="90000"/>
+          </a:bodyPr>
+          <a:lstStyle/>
+          <a:p>
+            <a:r>
+              <a:rPr lang="en-US" dirty="0"/>
+              <a:t>Why is Asset Inventory Important?</a:t>
+            </a:r>
+            <a:br>
+              <a:rPr lang="en-US" dirty="0"/>
+            </a:br>
+            <a:endParaRPr lang="en-US" dirty="0">
+              <a:solidFill>
+                <a:srgbClr val="CC9900"/>
+              </a:solidFill>
+            </a:endParaRPr>
+          </a:p>
+        </p:txBody>
+      </p:sp>
+      <p:sp>
+        <p:nvSpPr>
+          <p:cNvPr id="3" name="Content Placeholder 2">
+            <a:extLst>
+              <a:ext uri="{FF2B5EF4-FFF2-40B4-BE49-F238E27FC236}">
+                <a16:creationId xmlns:a16="http://schemas.microsoft.com/office/drawing/2014/main" id="{57092E74-2EB8-423C-801E-37727CF9D227}"/>
+              </a:ext>
+            </a:extLst>
+          </p:cNvPr>
+          <p:cNvSpPr>
+            <a:spLocks noGrp="1"/>
+          </p:cNvSpPr>
+          <p:nvPr>
+            <p:ph idx="1"/>
+          </p:nvPr>
+        </p:nvSpPr>
+        <p:spPr>
+          <a:xfrm>
+            <a:off x="1097280" y="2342608"/>
+            <a:ext cx="10398466" cy="1162568"/>
+          </a:xfrm>
+        </p:spPr>
+        <p:txBody>
+          <a:bodyPr>
+            <a:normAutofit/>
+          </a:bodyPr>
+          <a:lstStyle/>
+          <a:p>
+            <a:r>
+              <a:rPr lang="en-US" sz="2400" dirty="0">
+                <a:solidFill>
+                  <a:schemeClr val="tx1"/>
+                </a:solidFill>
+                <a:effectLst/>
+                <a:ea typeface="Times New Roman" panose="02020603050405020304" pitchFamily="18" charset="0"/>
+                <a:cs typeface="Times New Roman" panose="02020603050405020304" pitchFamily="18" charset="0"/>
+              </a:rPr>
+              <a:t>The ability to track and audit asset inventory is a requirement for many security standards, including the CIS, HIPAA, and PCI.</a:t>
+            </a:r>
+          </a:p>
+        </p:txBody>
+      </p:sp>
+      <p:sp>
+        <p:nvSpPr>
+          <p:cNvPr id="4" name="Content Placeholder 2">
+            <a:extLst>
+              <a:ext uri="{FF2B5EF4-FFF2-40B4-BE49-F238E27FC236}">
+                <a16:creationId xmlns:a16="http://schemas.microsoft.com/office/drawing/2014/main" id="{5A35421B-52E6-4CF0-A1B2-D34E7FEE4F56}"/>
+              </a:ext>
+            </a:extLst>
+          </p:cNvPr>
+          <p:cNvSpPr txBox="1">
+            <a:spLocks/>
+          </p:cNvSpPr>
+          <p:nvPr/>
+        </p:nvSpPr>
+        <p:spPr>
+          <a:xfrm>
+            <a:off x="1097279" y="3554909"/>
+            <a:ext cx="10398467" cy="1312926"/>
+          </a:xfrm>
+          <a:prstGeom prst="rect">
+            <a:avLst/>
+          </a:prstGeom>
+        </p:spPr>
+        <p:txBody>
+          <a:bodyPr vert="horz" lIns="91440" tIns="45720" rIns="91440" bIns="45720" rtlCol="0" anchor="ctr">
+            <a:normAutofit/>
+          </a:bodyPr>
+          <a:lstStyle>
+            <a:lvl1pPr marL="306000" indent="-306000" algn="l" defTabSz="457200" rtl="0" eaLnBrk="1" latinLnBrk="0" hangingPunct="1">
+              <a:lnSpc>
+                <a:spcPct val="120000"/>
+              </a:lnSpc>
+              <a:spcBef>
+                <a:spcPct val="20000"/>
+              </a:spcBef>
+              <a:spcAft>
+                <a:spcPts val="600"/>
+              </a:spcAft>
+              <a:buClr>
+                <a:schemeClr val="accent1"/>
+              </a:buClr>
+              <a:buSzPct val="92000"/>
+              <a:buFont typeface="Wingdings 2" panose="05020102010507070707" pitchFamily="18" charset="2"/>
+              <a:buChar char=""/>
+              <a:defRPr sz="1500" kern="1200">
+                <a:solidFill>
+                  <a:schemeClr val="tx1">
+                    <a:lumMod val="75000"/>
+                    <a:lumOff val="25000"/>
+                  </a:schemeClr>
+                </a:solidFill>
+                <a:latin typeface="+mn-lt"/>
+                <a:ea typeface="+mn-ea"/>
+                <a:cs typeface="+mn-cs"/>
+              </a:defRPr>
+            </a:lvl1pPr>
+            <a:lvl2pPr marL="630000" indent="-306000" algn="l" defTabSz="457200" rtl="0" eaLnBrk="1" latinLnBrk="0" hangingPunct="1">
+              <a:spcBef>
+                <a:spcPct val="20000"/>
+              </a:spcBef>
+              <a:spcAft>
+                <a:spcPts val="600"/>
+              </a:spcAft>
+              <a:buClr>
+                <a:schemeClr val="accent1"/>
+              </a:buClr>
+              <a:buSzPct val="92000"/>
+              <a:buFont typeface="Wingdings 2" panose="05020102010507070707" pitchFamily="18" charset="2"/>
+              <a:buChar char=""/>
+              <a:defRPr sz="1300" kern="1200">
+                <a:solidFill>
+                  <a:schemeClr val="tx1">
+                    <a:lumMod val="75000"/>
+                    <a:lumOff val="25000"/>
+                  </a:schemeClr>
+                </a:solidFill>
+                <a:latin typeface="+mn-lt"/>
+                <a:ea typeface="+mn-ea"/>
+                <a:cs typeface="+mn-cs"/>
+              </a:defRPr>
+            </a:lvl2pPr>
+            <a:lvl3pPr marL="900000" indent="-270000" algn="l" defTabSz="457200" rtl="0" eaLnBrk="1" latinLnBrk="0" hangingPunct="1">
+              <a:spcBef>
+                <a:spcPct val="20000"/>
+              </a:spcBef>
+              <a:spcAft>
+                <a:spcPts val="600"/>
+              </a:spcAft>
+              <a:buClr>
+                <a:schemeClr val="accent1"/>
+              </a:buClr>
+              <a:buSzPct val="92000"/>
+              <a:buFont typeface="Wingdings 2" panose="05020102010507070707" pitchFamily="18" charset="2"/>
+              <a:buChar char=""/>
+              <a:defRPr sz="1200" kern="1200">
+                <a:solidFill>
+                  <a:schemeClr val="tx1">
+                    <a:lumMod val="75000"/>
+                    <a:lumOff val="25000"/>
+                  </a:schemeClr>
+                </a:solidFill>
+                <a:latin typeface="+mn-lt"/>
+                <a:ea typeface="+mn-ea"/>
+                <a:cs typeface="+mn-cs"/>
+              </a:defRPr>
+            </a:lvl3pPr>
+            <a:lvl4pPr marL="1242000" indent="-234000" algn="l" defTabSz="457200" rtl="0" eaLnBrk="1" latinLnBrk="0" hangingPunct="1">
+              <a:spcBef>
+                <a:spcPct val="20000"/>
+              </a:spcBef>
+              <a:spcAft>
+                <a:spcPts val="600"/>
+              </a:spcAft>
+              <a:buClr>
+                <a:schemeClr val="accent1"/>
+              </a:buClr>
+              <a:buSzPct val="92000"/>
+              <a:buFont typeface="Wingdings 2" panose="05020102010507070707" pitchFamily="18" charset="2"/>
+              <a:buChar char=""/>
+              <a:defRPr sz="1100" kern="1200">
+                <a:solidFill>
+                  <a:schemeClr val="tx1">
+                    <a:lumMod val="75000"/>
+                    <a:lumOff val="25000"/>
+                  </a:schemeClr>
+                </a:solidFill>
+                <a:latin typeface="+mn-lt"/>
+                <a:ea typeface="+mn-ea"/>
+                <a:cs typeface="+mn-cs"/>
+              </a:defRPr>
+            </a:lvl4pPr>
+            <a:lvl5pPr marL="1602000" indent="-234000" algn="l" defTabSz="457200" rtl="0" eaLnBrk="1" latinLnBrk="0" hangingPunct="1">
+              <a:spcBef>
+                <a:spcPct val="20000"/>
+              </a:spcBef>
+              <a:spcAft>
+                <a:spcPts val="600"/>
+              </a:spcAft>
+              <a:buClr>
+                <a:schemeClr val="accent1"/>
+              </a:buClr>
+              <a:buSzPct val="92000"/>
+              <a:buFont typeface="Wingdings 2" panose="05020102010507070707" pitchFamily="18" charset="2"/>
+              <a:buChar char=""/>
+              <a:defRPr sz="1100" kern="1200">
+                <a:solidFill>
+                  <a:schemeClr val="tx1">
+                    <a:lumMod val="75000"/>
+                    <a:lumOff val="25000"/>
+                  </a:schemeClr>
+                </a:solidFill>
+                <a:latin typeface="+mn-lt"/>
+                <a:ea typeface="+mn-ea"/>
+                <a:cs typeface="+mn-cs"/>
+              </a:defRPr>
+            </a:lvl5pPr>
+            <a:lvl6pPr marL="1900000" indent="-228600" algn="l" defTabSz="457200" rtl="0" eaLnBrk="1" latinLnBrk="0" hangingPunct="1">
+              <a:spcBef>
+                <a:spcPct val="20000"/>
+              </a:spcBef>
+              <a:spcAft>
+                <a:spcPts val="600"/>
+              </a:spcAft>
+              <a:buClr>
+                <a:schemeClr val="accent2"/>
+              </a:buClr>
+              <a:buSzPct val="92000"/>
+              <a:buFont typeface="Wingdings 2" panose="05020102010507070707" pitchFamily="18" charset="2"/>
+              <a:buChar char=""/>
+              <a:defRPr sz="1200" kern="1200">
+                <a:solidFill>
+                  <a:schemeClr val="tx2"/>
+                </a:solidFill>
+                <a:latin typeface="+mn-lt"/>
+                <a:ea typeface="+mn-ea"/>
+                <a:cs typeface="+mn-cs"/>
+              </a:defRPr>
+            </a:lvl6pPr>
+            <a:lvl7pPr marL="2200000" indent="-228600" algn="l" defTabSz="457200" rtl="0" eaLnBrk="1" latinLnBrk="0" hangingPunct="1">
+              <a:spcBef>
+                <a:spcPct val="20000"/>
+              </a:spcBef>
+              <a:spcAft>
+                <a:spcPts val="600"/>
+              </a:spcAft>
+              <a:buClr>
+                <a:schemeClr val="accent2"/>
+              </a:buClr>
+              <a:buSzPct val="92000"/>
+              <a:buFont typeface="Wingdings 2" panose="05020102010507070707" pitchFamily="18" charset="2"/>
+              <a:buChar char=""/>
+              <a:defRPr sz="1200" kern="1200">
+                <a:solidFill>
+                  <a:schemeClr val="tx2"/>
+                </a:solidFill>
+                <a:latin typeface="+mn-lt"/>
+                <a:ea typeface="+mn-ea"/>
+                <a:cs typeface="+mn-cs"/>
+              </a:defRPr>
+            </a:lvl7pPr>
+            <a:lvl8pPr marL="2500000" indent="-228600" algn="l" defTabSz="457200" rtl="0" eaLnBrk="1" latinLnBrk="0" hangingPunct="1">
+              <a:spcBef>
+                <a:spcPct val="20000"/>
+              </a:spcBef>
+              <a:spcAft>
+                <a:spcPts val="600"/>
+              </a:spcAft>
+              <a:buClr>
+                <a:schemeClr val="accent2"/>
+              </a:buClr>
+              <a:buSzPct val="92000"/>
+              <a:buFont typeface="Wingdings 2" panose="05020102010507070707" pitchFamily="18" charset="2"/>
+              <a:buChar char=""/>
+              <a:defRPr sz="1200" kern="1200">
+                <a:solidFill>
+                  <a:schemeClr val="tx2"/>
+                </a:solidFill>
+                <a:latin typeface="+mn-lt"/>
+                <a:ea typeface="+mn-ea"/>
+                <a:cs typeface="+mn-cs"/>
+              </a:defRPr>
+            </a:lvl8pPr>
+            <a:lvl9pPr marL="2800000" indent="-228600" algn="l" defTabSz="457200" rtl="0" eaLnBrk="1" latinLnBrk="0" hangingPunct="1">
+              <a:spcBef>
+                <a:spcPct val="20000"/>
+              </a:spcBef>
+              <a:spcAft>
+                <a:spcPts val="600"/>
+              </a:spcAft>
+              <a:buClr>
+                <a:schemeClr val="accent2"/>
+              </a:buClr>
+              <a:buSzPct val="92000"/>
+              <a:buFont typeface="Wingdings 2" panose="05020102010507070707" pitchFamily="18" charset="2"/>
+              <a:buChar char=""/>
+              <a:defRPr sz="1200" kern="1200">
+                <a:solidFill>
+                  <a:schemeClr val="tx2"/>
+                </a:solidFill>
+                <a:latin typeface="+mn-lt"/>
+                <a:ea typeface="+mn-ea"/>
+                <a:cs typeface="+mn-cs"/>
+              </a:defRPr>
+            </a:lvl9pPr>
+          </a:lstStyle>
+          <a:p>
+            <a:r>
+              <a:rPr lang="en-US" sz="2400" dirty="0">
+                <a:solidFill>
+                  <a:srgbClr val="333333"/>
+                </a:solidFill>
+              </a:rPr>
+              <a:t>An effective asset inventory system allows you to support incident response, hunt, detection, analysis and machine learning functions.</a:t>
+            </a:r>
+            <a:endParaRPr lang="en-US" sz="2400" dirty="0">
+              <a:solidFill>
+                <a:schemeClr val="tx1"/>
+              </a:solidFill>
+            </a:endParaRPr>
+          </a:p>
+        </p:txBody>
+      </p:sp>
+      <p:sp>
+        <p:nvSpPr>
+          <p:cNvPr id="6" name="Content Placeholder 2">
+            <a:extLst>
+              <a:ext uri="{FF2B5EF4-FFF2-40B4-BE49-F238E27FC236}">
+                <a16:creationId xmlns:a16="http://schemas.microsoft.com/office/drawing/2014/main" id="{DC10272B-DEAA-4BFB-8952-97B786528DB9}"/>
+              </a:ext>
+            </a:extLst>
+          </p:cNvPr>
+          <p:cNvSpPr txBox="1">
+            <a:spLocks/>
+          </p:cNvSpPr>
+          <p:nvPr/>
+        </p:nvSpPr>
+        <p:spPr>
+          <a:xfrm>
+            <a:off x="1097280" y="4917568"/>
+            <a:ext cx="10398466" cy="1059254"/>
+          </a:xfrm>
+          <a:prstGeom prst="rect">
+            <a:avLst/>
+          </a:prstGeom>
+        </p:spPr>
+        <p:txBody>
+          <a:bodyPr vert="horz" lIns="91440" tIns="45720" rIns="91440" bIns="45720" rtlCol="0" anchor="ctr">
+            <a:normAutofit/>
+          </a:bodyPr>
+          <a:lstStyle>
+            <a:lvl1pPr marL="306000" indent="-306000" algn="l" defTabSz="457200" rtl="0" eaLnBrk="1" latinLnBrk="0" hangingPunct="1">
+              <a:lnSpc>
+                <a:spcPct val="120000"/>
+              </a:lnSpc>
+              <a:spcBef>
+                <a:spcPct val="20000"/>
+              </a:spcBef>
+              <a:spcAft>
+                <a:spcPts val="600"/>
+              </a:spcAft>
+              <a:buClr>
+                <a:schemeClr val="accent1"/>
+              </a:buClr>
+              <a:buSzPct val="92000"/>
+              <a:buFont typeface="Wingdings 2" panose="05020102010507070707" pitchFamily="18" charset="2"/>
+              <a:buChar char=""/>
+              <a:defRPr sz="1500" kern="1200">
+                <a:solidFill>
+                  <a:schemeClr val="tx1">
+                    <a:lumMod val="75000"/>
+                    <a:lumOff val="25000"/>
+                  </a:schemeClr>
+                </a:solidFill>
+                <a:latin typeface="+mn-lt"/>
+                <a:ea typeface="+mn-ea"/>
+                <a:cs typeface="+mn-cs"/>
+              </a:defRPr>
+            </a:lvl1pPr>
+            <a:lvl2pPr marL="630000" indent="-306000" algn="l" defTabSz="457200" rtl="0" eaLnBrk="1" latinLnBrk="0" hangingPunct="1">
+              <a:spcBef>
+                <a:spcPct val="20000"/>
+              </a:spcBef>
+              <a:spcAft>
+                <a:spcPts val="600"/>
+              </a:spcAft>
+              <a:buClr>
+                <a:schemeClr val="accent1"/>
+              </a:buClr>
+              <a:buSzPct val="92000"/>
+              <a:buFont typeface="Wingdings 2" panose="05020102010507070707" pitchFamily="18" charset="2"/>
+              <a:buChar char=""/>
+              <a:defRPr sz="1300" kern="1200">
+                <a:solidFill>
+                  <a:schemeClr val="tx1">
+                    <a:lumMod val="75000"/>
+                    <a:lumOff val="25000"/>
+                  </a:schemeClr>
+                </a:solidFill>
+                <a:latin typeface="+mn-lt"/>
+                <a:ea typeface="+mn-ea"/>
+                <a:cs typeface="+mn-cs"/>
+              </a:defRPr>
+            </a:lvl2pPr>
+            <a:lvl3pPr marL="900000" indent="-270000" algn="l" defTabSz="457200" rtl="0" eaLnBrk="1" latinLnBrk="0" hangingPunct="1">
+              <a:spcBef>
+                <a:spcPct val="20000"/>
+              </a:spcBef>
+              <a:spcAft>
+                <a:spcPts val="600"/>
+              </a:spcAft>
+              <a:buClr>
+                <a:schemeClr val="accent1"/>
+              </a:buClr>
+              <a:buSzPct val="92000"/>
+              <a:buFont typeface="Wingdings 2" panose="05020102010507070707" pitchFamily="18" charset="2"/>
+              <a:buChar char=""/>
+              <a:defRPr sz="1200" kern="1200">
+                <a:solidFill>
+                  <a:schemeClr val="tx1">
+                    <a:lumMod val="75000"/>
+                    <a:lumOff val="25000"/>
+                  </a:schemeClr>
+                </a:solidFill>
+                <a:latin typeface="+mn-lt"/>
+                <a:ea typeface="+mn-ea"/>
+                <a:cs typeface="+mn-cs"/>
+              </a:defRPr>
+            </a:lvl3pPr>
+            <a:lvl4pPr marL="1242000" indent="-234000" algn="l" defTabSz="457200" rtl="0" eaLnBrk="1" latinLnBrk="0" hangingPunct="1">
+              <a:spcBef>
+                <a:spcPct val="20000"/>
+              </a:spcBef>
+              <a:spcAft>
+                <a:spcPts val="600"/>
+              </a:spcAft>
+              <a:buClr>
+                <a:schemeClr val="accent1"/>
+              </a:buClr>
+              <a:buSzPct val="92000"/>
+              <a:buFont typeface="Wingdings 2" panose="05020102010507070707" pitchFamily="18" charset="2"/>
+              <a:buChar char=""/>
+              <a:defRPr sz="1100" kern="1200">
+                <a:solidFill>
+                  <a:schemeClr val="tx1">
+                    <a:lumMod val="75000"/>
+                    <a:lumOff val="25000"/>
+                  </a:schemeClr>
+                </a:solidFill>
+                <a:latin typeface="+mn-lt"/>
+                <a:ea typeface="+mn-ea"/>
+                <a:cs typeface="+mn-cs"/>
+              </a:defRPr>
+            </a:lvl4pPr>
+            <a:lvl5pPr marL="1602000" indent="-234000" algn="l" defTabSz="457200" rtl="0" eaLnBrk="1" latinLnBrk="0" hangingPunct="1">
+              <a:spcBef>
+                <a:spcPct val="20000"/>
+              </a:spcBef>
+              <a:spcAft>
+                <a:spcPts val="600"/>
+              </a:spcAft>
+              <a:buClr>
+                <a:schemeClr val="accent1"/>
+              </a:buClr>
+              <a:buSzPct val="92000"/>
+              <a:buFont typeface="Wingdings 2" panose="05020102010507070707" pitchFamily="18" charset="2"/>
+              <a:buChar char=""/>
+              <a:defRPr sz="1100" kern="1200">
+                <a:solidFill>
+                  <a:schemeClr val="tx1">
+                    <a:lumMod val="75000"/>
+                    <a:lumOff val="25000"/>
+                  </a:schemeClr>
+                </a:solidFill>
+                <a:latin typeface="+mn-lt"/>
+                <a:ea typeface="+mn-ea"/>
+                <a:cs typeface="+mn-cs"/>
+              </a:defRPr>
+            </a:lvl5pPr>
+            <a:lvl6pPr marL="1900000" indent="-228600" algn="l" defTabSz="457200" rtl="0" eaLnBrk="1" latinLnBrk="0" hangingPunct="1">
+              <a:spcBef>
+                <a:spcPct val="20000"/>
+              </a:spcBef>
+              <a:spcAft>
+                <a:spcPts val="600"/>
+              </a:spcAft>
+              <a:buClr>
+                <a:schemeClr val="accent2"/>
+              </a:buClr>
+              <a:buSzPct val="92000"/>
+              <a:buFont typeface="Wingdings 2" panose="05020102010507070707" pitchFamily="18" charset="2"/>
+              <a:buChar char=""/>
+              <a:defRPr sz="1200" kern="1200">
+                <a:solidFill>
+                  <a:schemeClr val="tx2"/>
+                </a:solidFill>
+                <a:latin typeface="+mn-lt"/>
+                <a:ea typeface="+mn-ea"/>
+                <a:cs typeface="+mn-cs"/>
+              </a:defRPr>
+            </a:lvl6pPr>
+            <a:lvl7pPr marL="2200000" indent="-228600" algn="l" defTabSz="457200" rtl="0" eaLnBrk="1" latinLnBrk="0" hangingPunct="1">
+              <a:spcBef>
+                <a:spcPct val="20000"/>
+              </a:spcBef>
+              <a:spcAft>
+                <a:spcPts val="600"/>
+              </a:spcAft>
+              <a:buClr>
+                <a:schemeClr val="accent2"/>
+              </a:buClr>
+              <a:buSzPct val="92000"/>
+              <a:buFont typeface="Wingdings 2" panose="05020102010507070707" pitchFamily="18" charset="2"/>
+              <a:buChar char=""/>
+              <a:defRPr sz="1200" kern="1200">
+                <a:solidFill>
+                  <a:schemeClr val="tx2"/>
+                </a:solidFill>
+                <a:latin typeface="+mn-lt"/>
+                <a:ea typeface="+mn-ea"/>
+                <a:cs typeface="+mn-cs"/>
+              </a:defRPr>
+            </a:lvl7pPr>
+            <a:lvl8pPr marL="2500000" indent="-228600" algn="l" defTabSz="457200" rtl="0" eaLnBrk="1" latinLnBrk="0" hangingPunct="1">
+              <a:spcBef>
+                <a:spcPct val="20000"/>
+              </a:spcBef>
+              <a:spcAft>
+                <a:spcPts val="600"/>
+              </a:spcAft>
+              <a:buClr>
+                <a:schemeClr val="accent2"/>
+              </a:buClr>
+              <a:buSzPct val="92000"/>
+              <a:buFont typeface="Wingdings 2" panose="05020102010507070707" pitchFamily="18" charset="2"/>
+              <a:buChar char=""/>
+              <a:defRPr sz="1200" kern="1200">
+                <a:solidFill>
+                  <a:schemeClr val="tx2"/>
+                </a:solidFill>
+                <a:latin typeface="+mn-lt"/>
+                <a:ea typeface="+mn-ea"/>
+                <a:cs typeface="+mn-cs"/>
+              </a:defRPr>
+            </a:lvl8pPr>
+            <a:lvl9pPr marL="2800000" indent="-228600" algn="l" defTabSz="457200" rtl="0" eaLnBrk="1" latinLnBrk="0" hangingPunct="1">
+              <a:spcBef>
+                <a:spcPct val="20000"/>
+              </a:spcBef>
+              <a:spcAft>
+                <a:spcPts val="600"/>
+              </a:spcAft>
+              <a:buClr>
+                <a:schemeClr val="accent2"/>
+              </a:buClr>
+              <a:buSzPct val="92000"/>
+              <a:buFont typeface="Wingdings 2" panose="05020102010507070707" pitchFamily="18" charset="2"/>
+              <a:buChar char=""/>
+              <a:defRPr sz="1200" kern="1200">
+                <a:solidFill>
+                  <a:schemeClr val="tx2"/>
+                </a:solidFill>
+                <a:latin typeface="+mn-lt"/>
+                <a:ea typeface="+mn-ea"/>
+                <a:cs typeface="+mn-cs"/>
+              </a:defRPr>
+            </a:lvl9pPr>
+          </a:lstStyle>
+          <a:p>
+            <a:r>
+              <a:rPr lang="en-US" sz="2400" dirty="0"/>
+              <a:t>When a security event happens, you need to know who to identify as the owner to begin remediation.</a:t>
+            </a:r>
+            <a:endParaRPr lang="en-US" sz="2400" dirty="0">
+              <a:solidFill>
+                <a:schemeClr val="tx1"/>
+              </a:solidFill>
+              <a:ea typeface="Times New Roman" panose="02020603050405020304" pitchFamily="18" charset="0"/>
+              <a:cs typeface="Times New Roman" panose="02020603050405020304" pitchFamily="18" charset="0"/>
+            </a:endParaRPr>
+          </a:p>
+        </p:txBody>
+      </p:sp>
+      <p:sp>
+        <p:nvSpPr>
+          <p:cNvPr id="7" name="TextBox 6">
+            <a:extLst>
+              <a:ext uri="{FF2B5EF4-FFF2-40B4-BE49-F238E27FC236}">
+                <a16:creationId xmlns:a16="http://schemas.microsoft.com/office/drawing/2014/main" id="{074B8F16-A75F-415A-93EB-DC2F0B7771E3}"/>
+              </a:ext>
+            </a:extLst>
+          </p:cNvPr>
+          <p:cNvSpPr txBox="1"/>
+          <p:nvPr/>
+        </p:nvSpPr>
+        <p:spPr>
+          <a:xfrm>
+            <a:off x="421875" y="1512703"/>
+            <a:ext cx="9863797" cy="584775"/>
+          </a:xfrm>
+          <a:prstGeom prst="rect">
+            <a:avLst/>
+          </a:prstGeom>
+          <a:noFill/>
+        </p:spPr>
+        <p:txBody>
+          <a:bodyPr wrap="square">
+            <a:spAutoFit/>
+          </a:bodyPr>
+          <a:lstStyle/>
+          <a:p>
+            <a:r>
+              <a:rPr lang="en-US" sz="3200" dirty="0">
+                <a:solidFill>
+                  <a:srgbClr val="CC9900"/>
+                </a:solidFill>
+              </a:rPr>
+              <a:t>You can’t protect what you don’t know you have!</a:t>
+            </a:r>
+            <a:endParaRPr lang="en-US" sz="3200" dirty="0"/>
+          </a:p>
+        </p:txBody>
+      </p:sp>
+    </p:spTree>
+    <p:extLst>
+      <p:ext uri="{BB962C8B-B14F-4D97-AF65-F5344CB8AC3E}">
+        <p14:creationId xmlns:p14="http://schemas.microsoft.com/office/powerpoint/2010/main" val="819427914"/>
+      </p:ext>
+    </p:extLst>
+  </p:cSld>
+  <p:clrMapOvr>
+    <a:masterClrMapping/>
+  </p:clrMapOvr>
+  <p:timing>
+    <p:tnLst>
+      <p:par>
+        <p:cTn id="1" dur="indefinite" restart="never" nodeType="tmRoot">
+          <p:childTnLst>
+            <p:seq concurrent="1" nextAc="seek">
+              <p:cTn id="2" dur="indefinite" nodeType="mainSeq">
+                <p:childTnLst>
+                  <p:par>
+                    <p:cTn id="3" fill="hold">
+                      <p:stCondLst>
+                        <p:cond delay="indefinite"/>
+                      </p:stCondLst>
+                      <p:childTnLst>
+                        <p:par>
+                          <p:cTn id="4" fill="hold">
+                            <p:stCondLst>
+                              <p:cond delay="0"/>
+                            </p:stCondLst>
+                            <p:childTnLst>
+                              <p:par>
+                                <p:cTn id="5" presetID="1" presetClass="entr" presetSubtype="0" fill="hold" grpId="0" nodeType="clickEffect">
+                                  <p:stCondLst>
+                                    <p:cond delay="0"/>
+                                  </p:stCondLst>
+                                  <p:childTnLst>
+                                    <p:set>
+                                      <p:cBhvr>
+                                        <p:cTn id="6" dur="1" fill="hold">
+                                          <p:stCondLst>
+                                            <p:cond delay="0"/>
+                                          </p:stCondLst>
+                                        </p:cTn>
+                                        <p:tgtEl>
+                                          <p:spTgt spid="7"/>
+                                        </p:tgtEl>
+                                        <p:attrNameLst>
+                                          <p:attrName>style.visibility</p:attrName>
+                                        </p:attrNameLst>
+                                      </p:cBhvr>
+                                      <p:to>
+                                        <p:strVal val="visible"/>
+                                      </p:to>
+                                    </p:set>
+                                  </p:childTnLst>
+                                </p:cTn>
+                              </p:par>
+                            </p:childTnLst>
+                          </p:cTn>
+                        </p:par>
+                      </p:childTnLst>
+                    </p:cTn>
+                  </p:par>
+                  <p:par>
+                    <p:cTn id="7" fill="hold">
+                      <p:stCondLst>
+                        <p:cond delay="indefinite"/>
+                      </p:stCondLst>
+                      <p:childTnLst>
+                        <p:par>
+                          <p:cTn id="8" fill="hold">
+                            <p:stCondLst>
+                              <p:cond delay="0"/>
+                            </p:stCondLst>
+                            <p:childTnLst>
+                              <p:par>
                                 <p:cTn id="9" presetID="1" presetClass="entr" presetSubtype="0" fill="hold" grpId="0" nodeType="clickEffect">
                                   <p:stCondLst>
                                     <p:cond delay="0"/>
@@ -13715,7 +13903,11 @@
                                           </p:stCondLst>
                                         </p:cTn>
                                         <p:tgtEl>
-                                          <p:spTgt spid="6"/>
+                                          <p:spTgt spid="3">
+                                            <p:txEl>
+                                              <p:pRg st="0" end="0"/>
+                                            </p:txEl>
+                                          </p:spTgt>
                                         </p:tgtEl>
                                         <p:attrNameLst>
                                           <p:attrName>style.visibility</p:attrName>
@@ -13779,6 +13971,51 @@
                       </p:childTnLst>
                     </p:cTn>
                   </p:par>
+                  <p:par>
+                    <p:cTn id="15" fill="hold">
+                      <p:stCondLst>
+                        <p:cond delay="indefinite"/>
+                      </p:stCondLst>
+                      <p:childTnLst>
+                        <p:par>
+                          <p:cTn id="16" fill="hold">
+                            <p:stCondLst>
+                              <p:cond delay="0"/>
+                            </p:stCondLst>
+                            <p:childTnLst>
+                              <p:par>
+                                <p:cTn id="17" presetID="1" presetClass="entr" presetSubtype="0" fill="hold" grpId="0" nodeType="clickEffect">
+                                  <p:stCondLst>
+                                    <p:cond delay="0"/>
+                                  </p:stCondLst>
+                                  <p:childTnLst>
+                                    <p:set>
+                                      <p:cBhvr>
+                                        <p:cTn id="18" dur="1" fill="hold">
+                                          <p:stCondLst>
+                                            <p:cond delay="0"/>
+                                          </p:stCondLst>
+                                        </p:cTn>
+                                        <p:tgtEl>
+                                          <p:spTgt spid="6"/>
+                                        </p:tgtEl>
+                                        <p:attrNameLst>
+                                          <p:attrName>style.visibility</p:attrName>
+                                        </p:attrNameLst>
+                                      </p:cBhvr>
+                                      <p:to>
+                                        <p:strVal val="visible"/>
+                                      </p:to>
+                                    </p:set>
+                                  </p:childTnLst>
+                                </p:cTn>
+                              </p:par>
+                            </p:childTnLst>
+                          </p:cTn>
+                        </p:par>
+                      </p:childTnLst>
+                    </p:cTn>
+                  </p:par>
                 </p:childTnLst>
               </p:cTn>
               <p:prevCondLst>
@@ -13804,12 +14041,13 @@
       <p:bldP spid="3" grpId="0" build="p"/>
       <p:bldP spid="4" grpId="0"/>
       <p:bldP spid="6" grpId="0"/>
+      <p:bldP spid="7" grpId="0"/>
     </p:bldLst>
   </p:timing>
 </p:sld>
 </file>
 
-<file path=ppt/slides/slide3.xml><?xml version="1.0" encoding="utf-8"?>
+<file path=ppt/slides/slide4.xml><?xml version="1.0" encoding="utf-8"?>
 <p:sld xmlns:a="http://schemas.openxmlformats.org/drawingml/2006/main" xmlns:r="http://schemas.openxmlformats.org/officeDocument/2006/relationships" xmlns:p="http://schemas.openxmlformats.org/presentationml/2006/main">
   <p:cSld>
     <p:spTree>
@@ -13900,7 +14138,7 @@
             </a:r>
             <a:r>
               <a:rPr lang="en-US" sz="2800" dirty="0"/>
-              <a:t>is a CDG Security initiative to ensure all assets in their inventory are created with monitoring and scanning installed – assuring optimal security cradle to grave for our customers.</a:t>
+              <a:t>is a CDG Security initiative to ensure all assets in their inventory are created with monitoring and scanning – assuring optimal security, cradle to grave, for our customers’ assets.</a:t>
             </a:r>
           </a:p>
         </p:txBody>
@@ -13922,7 +14160,7 @@
         <p:spPr>
           <a:xfrm>
             <a:off x="1036319" y="4715700"/>
-            <a:ext cx="11029615" cy="1536707"/>
+            <a:ext cx="11029615" cy="1554471"/>
           </a:xfrm>
           <a:prstGeom prst="rect">
             <a:avLst/>
@@ -14157,11 +14395,11 @@
             </a:r>
             <a:r>
               <a:rPr lang="en-US" sz="2400" b="1" dirty="0"/>
-              <a:t>unmonitored transient assets </a:t>
+              <a:t>unmonitored / unscanned transient assets </a:t>
             </a:r>
             <a:r>
               <a:rPr lang="en-US" sz="2400" dirty="0"/>
-              <a:t>and work with them to get their assets secure from birth by adjusting their business processing, image creation, </a:t>
+              <a:t>and work with them to get secure from birth by adjusting their business practices, image creation, </a:t>
             </a:r>
             <a:r>
               <a:rPr lang="en-US" sz="2400" dirty="0" err="1"/>
@@ -14422,7 +14660,7 @@
           <a:p>
             <a:r>
               <a:rPr lang="en-US" sz="2400" dirty="0"/>
-              <a:t>A major issue many security teams face when attempting to protect their inventory is ephemeral or transient assets. </a:t>
+              <a:t>A major issue security teams face when attempting to protect their inventory from birth is ephemeral or transient assets. </a:t>
             </a:r>
           </a:p>
         </p:txBody>
@@ -14614,7 +14852,7 @@
 </p:sld>
 </file>
 
-<file path=ppt/slides/slide4.xml><?xml version="1.0" encoding="utf-8"?>
+<file path=ppt/slides/slide5.xml><?xml version="1.0" encoding="utf-8"?>
 <p:sld xmlns:a="http://schemas.openxmlformats.org/drawingml/2006/main" xmlns:r="http://schemas.openxmlformats.org/officeDocument/2006/relationships" xmlns:p="http://schemas.openxmlformats.org/presentationml/2006/main">
   <p:cSld>
     <p:spTree>
@@ -14963,7 +15201,7 @@
           <a:p>
             <a:r>
               <a:rPr lang="en-US" sz="2400" dirty="0"/>
-              <a:t>CDG Security works with its inventory management system to provide a life-span value for each security asset, then tracks the asset’s behavior to allow security teams the ability to process ephemeral assets per their business requirements. </a:t>
+              <a:t>CDG Security provide a life-span value for each security asset in its inventory management system, then tracks the assets’ behavior to allow security teams the ability to process ephemeral assets per their business requirements. </a:t>
             </a:r>
           </a:p>
         </p:txBody>
@@ -15259,7 +15497,7 @@
 </p:sld>
 </file>
 
-<file path=ppt/slides/slide5.xml><?xml version="1.0" encoding="utf-8"?>
+<file path=ppt/slides/slide6.xml><?xml version="1.0" encoding="utf-8"?>
 <p:sld xmlns:a="http://schemas.openxmlformats.org/drawingml/2006/main" xmlns:r="http://schemas.openxmlformats.org/officeDocument/2006/relationships" xmlns:p="http://schemas.openxmlformats.org/presentationml/2006/main">
   <p:cSld>
     <p:spTree>
@@ -16297,7 +16535,7 @@
 </p:sld>
 </file>
 
-<file path=ppt/slides/slide6.xml><?xml version="1.0" encoding="utf-8"?>
+<file path=ppt/slides/slide7.xml><?xml version="1.0" encoding="utf-8"?>
 <p:sld xmlns:a="http://schemas.openxmlformats.org/drawingml/2006/main" xmlns:r="http://schemas.openxmlformats.org/officeDocument/2006/relationships" xmlns:p="http://schemas.openxmlformats.org/presentationml/2006/main">
   <p:cSld>
     <p:bg>
@@ -16677,7 +16915,7 @@
           <a:p>
             <a:r>
               <a:rPr lang="en-US" sz="1600" i="1" dirty="0"/>
-              <a:t>Id Age measures the number of days between the first and last date each asset was observed in your inventory .</a:t>
+              <a:t>Id Age measures the number of days between the first and last date each asset was observed in our inventory .</a:t>
             </a:r>
           </a:p>
         </p:txBody>
@@ -17226,7 +17464,7 @@
                   <a:srgbClr val="FFFFFF"/>
                 </a:solidFill>
               </a:rPr>
-              <a:t>Overall, 1.4M Claimed assets were found over a 147-day study.</a:t>
+              <a:t>Overall, 1.4M assets were sampled over a 147-day study.</a:t>
             </a:r>
           </a:p>
         </p:txBody>
@@ -17789,51 +18027,6 @@
                                           </p:stCondLst>
                                         </p:cTn>
                                         <p:tgtEl>
-                                          <p:spTgt spid="13"/>
-                                        </p:tgtEl>
-                                        <p:attrNameLst>
-                                          <p:attrName>style.visibility</p:attrName>
-                                        </p:attrNameLst>
-                                      </p:cBhvr>
-                                      <p:to>
-                                        <p:strVal val="visible"/>
-                                      </p:to>
-                                    </p:set>
-                                  </p:childTnLst>
-                                </p:cTn>
-                              </p:par>
-                            </p:childTnLst>
-                          </p:cTn>
-                        </p:par>
-                      </p:childTnLst>
-                    </p:cTn>
-                  </p:par>
-                  <p:par>
-                    <p:cTn id="7" fill="hold">
-                      <p:stCondLst>
-                        <p:cond delay="indefinite"/>
-                      </p:stCondLst>
-                      <p:childTnLst>
-                        <p:par>
-                          <p:cTn id="8" fill="hold">
-                            <p:stCondLst>
-                              <p:cond delay="0"/>
-                            </p:stCondLst>
-                            <p:childTnLst>
-                              <p:par>
-                                <p:cTn id="9" presetID="1" presetClass="entr" presetSubtype="0" fill="hold" grpId="0" nodeType="clickEffect">
-                                  <p:stCondLst>
-                                    <p:cond delay="0"/>
-                                  </p:stCondLst>
-                                  <p:childTnLst>
-                                    <p:set>
-                                      <p:cBhvr>
-                                        <p:cTn id="10" dur="1" fill="hold">
-                                          <p:stCondLst>
-                                            <p:cond delay="0"/>
-                                          </p:stCondLst>
-                                        </p:cTn>
-                                        <p:tgtEl>
                                           <p:spTgt spid="17"/>
                                         </p:tgtEl>
                                         <p:attrNameLst>
@@ -17848,14 +18041,14 @@
                                 </p:cTn>
                               </p:par>
                               <p:par>
-                                <p:cTn id="11" presetID="1" presetClass="entr" presetSubtype="0" fill="hold" grpId="0" nodeType="withEffect">
+                                <p:cTn id="7" presetID="1" presetClass="entr" presetSubtype="0" fill="hold" grpId="0" nodeType="withEffect">
                                   <p:stCondLst>
                                     <p:cond delay="0"/>
                                   </p:stCondLst>
                                   <p:childTnLst>
                                     <p:set>
                                       <p:cBhvr>
-                                        <p:cTn id="12" dur="1" fill="hold">
+                                        <p:cTn id="8" dur="1" fill="hold">
                                           <p:stCondLst>
                                             <p:cond delay="0"/>
                                           </p:stCondLst>
@@ -17881,26 +18074,26 @@
                     </p:cTn>
                   </p:par>
                   <p:par>
-                    <p:cTn id="13" fill="hold">
+                    <p:cTn id="9" fill="hold">
                       <p:stCondLst>
                         <p:cond delay="indefinite"/>
                       </p:stCondLst>
                       <p:childTnLst>
                         <p:par>
-                          <p:cTn id="14" fill="hold">
+                          <p:cTn id="10" fill="hold">
                             <p:stCondLst>
                               <p:cond delay="0"/>
                             </p:stCondLst>
                             <p:childTnLst>
                               <p:par>
-                                <p:cTn id="15" presetID="1" presetClass="entr" presetSubtype="0" fill="hold" grpId="0" nodeType="clickEffect">
+                                <p:cTn id="11" presetID="1" presetClass="entr" presetSubtype="0" fill="hold" grpId="0" nodeType="clickEffect">
                                   <p:stCondLst>
                                     <p:cond delay="0"/>
                                   </p:stCondLst>
                                   <p:childTnLst>
                                     <p:set>
                                       <p:cBhvr>
-                                        <p:cTn id="16" dur="1" fill="hold">
+                                        <p:cTn id="12" dur="1" fill="hold">
                                           <p:stCondLst>
                                             <p:cond delay="0"/>
                                           </p:stCondLst>
@@ -17920,14 +18113,14 @@
                                 </p:cTn>
                               </p:par>
                               <p:par>
-                                <p:cTn id="17" presetID="1" presetClass="entr" presetSubtype="0" fill="hold" grpId="0" nodeType="withEffect">
+                                <p:cTn id="13" presetID="1" presetClass="entr" presetSubtype="0" fill="hold" grpId="0" nodeType="withEffect">
                                   <p:stCondLst>
                                     <p:cond delay="0"/>
                                   </p:stCondLst>
                                   <p:childTnLst>
                                     <p:set>
                                       <p:cBhvr>
-                                        <p:cTn id="18" dur="1" fill="hold">
+                                        <p:cTn id="14" dur="1" fill="hold">
                                           <p:stCondLst>
                                             <p:cond delay="0"/>
                                           </p:stCondLst>
@@ -17947,14 +18140,14 @@
                                 </p:cTn>
                               </p:par>
                               <p:par>
-                                <p:cTn id="19" presetID="1" presetClass="entr" presetSubtype="0" fill="hold" grpId="0" nodeType="withEffect">
+                                <p:cTn id="15" presetID="1" presetClass="entr" presetSubtype="0" fill="hold" grpId="0" nodeType="withEffect">
                                   <p:stCondLst>
                                     <p:cond delay="0"/>
                                   </p:stCondLst>
                                   <p:childTnLst>
                                     <p:set>
                                       <p:cBhvr>
-                                        <p:cTn id="20" dur="1" fill="hold">
+                                        <p:cTn id="16" dur="1" fill="hold">
                                           <p:stCondLst>
                                             <p:cond delay="0"/>
                                           </p:stCondLst>
@@ -18004,7 +18197,6 @@
       <p:bldP spid="16" grpId="0" animBg="1"/>
       <p:bldP spid="21" grpId="0" animBg="1"/>
       <p:bldP spid="30" grpId="0" animBg="1"/>
-      <p:bldP spid="13" grpId="0"/>
       <p:bldP spid="15" grpId="0"/>
       <p:bldP spid="17" grpId="0"/>
     </p:bldLst>
@@ -18012,7 +18204,7 @@
 </p:sld>
 </file>
 
-<file path=ppt/slides/slide7.xml><?xml version="1.0" encoding="utf-8"?>
+<file path=ppt/slides/slide8.xml><?xml version="1.0" encoding="utf-8"?>
 <p:sld xmlns:a="http://schemas.openxmlformats.org/drawingml/2006/main" xmlns:r="http://schemas.openxmlformats.org/officeDocument/2006/relationships" xmlns:p="http://schemas.openxmlformats.org/presentationml/2006/main">
   <p:cSld>
     <p:spTree>
@@ -19756,7 +19948,7 @@
 </p:sld>
 </file>
 
-<file path=ppt/slides/slide8.xml><?xml version="1.0" encoding="utf-8"?>
+<file path=ppt/slides/slide9.xml><?xml version="1.0" encoding="utf-8"?>
 <p:sld xmlns:a="http://schemas.openxmlformats.org/drawingml/2006/main" xmlns:r="http://schemas.openxmlformats.org/officeDocument/2006/relationships" xmlns:p="http://schemas.openxmlformats.org/presentationml/2006/main">
   <p:cSld>
     <p:spTree>
@@ -20657,7 +20849,7 @@
           <a:p>
             <a:r>
               <a:rPr lang="en-US" sz="1800" b="1" dirty="0"/>
-              <a:t>To give CDG Security insight into which new assets entering their inventory will be transient, a binary classifier machine learning model is created. </a:t>
+              <a:t>To give CDG Security insight into which new assets entering their inventory will be transient, a binary classifier machine learning model was created. </a:t>
             </a:r>
           </a:p>
         </p:txBody>
@@ -21218,7 +21410,7 @@
           <a:p>
             <a:r>
               <a:rPr lang="en-US" sz="1900" dirty="0"/>
-              <a:t>An </a:t>
+              <a:t>A </a:t>
             </a:r>
             <a:r>
               <a:rPr lang="en-US" sz="1900" dirty="0" err="1"/>
@@ -21756,7 +21948,7 @@
           <a:p>
             <a:r>
               <a:rPr lang="en-US" sz="1800" dirty="0"/>
-              <a:t>Predictions are sent to the Data Store</a:t>
+              <a:t>Predictions are sent to the data store (ADL)</a:t>
             </a:r>
           </a:p>
           <a:p>
@@ -22493,85 +22685,6 @@
       <p:bldP spid="27" grpId="0"/>
     </p:bldLst>
   </p:timing>
-</p:sld>
-</file>
-
-<file path=ppt/slides/slide9.xml><?xml version="1.0" encoding="utf-8"?>
-<p:sld xmlns:a="http://schemas.openxmlformats.org/drawingml/2006/main" xmlns:r="http://schemas.openxmlformats.org/officeDocument/2006/relationships" xmlns:p="http://schemas.openxmlformats.org/presentationml/2006/main">
-  <p:cSld>
-    <p:spTree>
-      <p:nvGrpSpPr>
-        <p:cNvPr id="1" name=""/>
-        <p:cNvGrpSpPr/>
-        <p:nvPr/>
-      </p:nvGrpSpPr>
-      <p:grpSpPr>
-        <a:xfrm>
-          <a:off x="0" y="0"/>
-          <a:ext cx="0" cy="0"/>
-          <a:chOff x="0" y="0"/>
-          <a:chExt cx="0" cy="0"/>
-        </a:xfrm>
-      </p:grpSpPr>
-      <p:pic>
-        <p:nvPicPr>
-          <p:cNvPr id="10" name="Content Placeholder 9">
-            <a:extLst>
-              <a:ext uri="{FF2B5EF4-FFF2-40B4-BE49-F238E27FC236}">
-                <a16:creationId xmlns:a16="http://schemas.microsoft.com/office/drawing/2014/main" id="{87100AEB-366E-4FEE-99F3-CA11F086207B}"/>
-              </a:ext>
-            </a:extLst>
-          </p:cNvPr>
-          <p:cNvPicPr>
-            <a:picLocks noGrp="1"/>
-          </p:cNvPicPr>
-          <p:nvPr>
-            <p:ph idx="1"/>
-          </p:nvPr>
-        </p:nvPicPr>
-        <p:blipFill>
-          <a:blip r:embed="rId3">
-            <a:extLst>
-              <a:ext uri="{28A0092B-C50C-407E-A947-70E740481C1C}">
-                <a14:useLocalDpi xmlns:a14="http://schemas.microsoft.com/office/drawing/2010/main" val="0"/>
-              </a:ext>
-            </a:extLst>
-          </a:blip>
-          <a:srcRect/>
-          <a:stretch>
-            <a:fillRect/>
-          </a:stretch>
-        </p:blipFill>
-        <p:spPr>
-          <a:xfrm>
-            <a:off x="123997" y="110644"/>
-            <a:ext cx="12004503" cy="6620356"/>
-          </a:xfrm>
-          <a:prstGeom prst="rect">
-            <a:avLst/>
-          </a:prstGeom>
-          <a:ln>
-            <a:noFill/>
-          </a:ln>
-          <a:effectLst>
-            <a:outerShdw blurRad="292100" dist="139700" dir="2700000" algn="tl" rotWithShape="0">
-              <a:srgbClr val="333333">
-                <a:alpha val="65000"/>
-              </a:srgbClr>
-            </a:outerShdw>
-          </a:effectLst>
-        </p:spPr>
-      </p:pic>
-    </p:spTree>
-    <p:extLst>
-      <p:ext uri="{BB962C8B-B14F-4D97-AF65-F5344CB8AC3E}">
-        <p14:creationId xmlns:p14="http://schemas.microsoft.com/office/powerpoint/2010/main" val="228518821"/>
-      </p:ext>
-    </p:extLst>
-  </p:cSld>
-  <p:clrMapOvr>
-    <a:masterClrMapping/>
-  </p:clrMapOvr>
 </p:sld>
 </file>
 
@@ -23376,6 +23489,15 @@
 </file>
 
 <file path=customXml/item2.xml><?xml version="1.0" encoding="utf-8"?>
+<p:properties xmlns:p="http://schemas.microsoft.com/office/2006/metadata/properties" xmlns:xsi="http://www.w3.org/2001/XMLSchema-instance" xmlns:pc="http://schemas.microsoft.com/office/infopath/2007/PartnerControls">
+  <documentManagement>
+    <_ip_UnifiedCompliancePolicyUIAction xmlns="http://schemas.microsoft.com/sharepoint/v3" xsi:nil="true"/>
+    <_ip_UnifiedCompliancePolicyProperties xmlns="http://schemas.microsoft.com/sharepoint/v3" xsi:nil="true"/>
+  </documentManagement>
+</p:properties>
+</file>
+
+<file path=customXml/item3.xml><?xml version="1.0" encoding="utf-8"?>
 <ct:contentTypeSchema xmlns:ct="http://schemas.microsoft.com/office/2006/metadata/contentType" xmlns:ma="http://schemas.microsoft.com/office/2006/metadata/properties/metaAttributes" ct:_="" ma:_="" ma:contentTypeName="Document" ma:contentTypeID="0x01010079710846120D5C4DB145838B3AF7330C" ma:contentTypeVersion="13" ma:contentTypeDescription="Create a new document." ma:contentTypeScope="" ma:versionID="b0fec22765b46c166817d568106b009f">
   <xsd:schema xmlns:xsd="http://www.w3.org/2001/XMLSchema" xmlns:xs="http://www.w3.org/2001/XMLSchema" xmlns:p="http://schemas.microsoft.com/office/2006/metadata/properties" xmlns:ns1="http://schemas.microsoft.com/sharepoint/v3" xmlns:ns3="e334f902-1983-48d9-bd44-d9cc22cf7efe" xmlns:ns4="1291fe89-e112-47d4-a41e-311992b99fa0" targetNamespace="http://schemas.microsoft.com/office/2006/metadata/properties" ma:root="true" ma:fieldsID="381b03b082aef06de50d4afae85fafcb" ns1:_="" ns3:_="" ns4:_="">
     <xsd:import namespace="http://schemas.microsoft.com/sharepoint/v3"/>
@@ -23603,15 +23725,6 @@
 </ct:contentTypeSchema>
 </file>
 
-<file path=customXml/item3.xml><?xml version="1.0" encoding="utf-8"?>
-<p:properties xmlns:p="http://schemas.microsoft.com/office/2006/metadata/properties" xmlns:xsi="http://www.w3.org/2001/XMLSchema-instance" xmlns:pc="http://schemas.microsoft.com/office/infopath/2007/PartnerControls">
-  <documentManagement>
-    <_ip_UnifiedCompliancePolicyUIAction xmlns="http://schemas.microsoft.com/sharepoint/v3" xsi:nil="true"/>
-    <_ip_UnifiedCompliancePolicyProperties xmlns="http://schemas.microsoft.com/sharepoint/v3" xsi:nil="true"/>
-  </documentManagement>
-</p:properties>
-</file>
-
 <file path=customXml/itemProps1.xml><?xml version="1.0" encoding="utf-8"?>
 <ds:datastoreItem xmlns:ds="http://schemas.openxmlformats.org/officeDocument/2006/customXml" ds:itemID="{54522581-00FD-40DA-93C0-609EF42E68A1}">
   <ds:schemaRefs>
@@ -23621,6 +23734,16 @@
 </file>
 
 <file path=customXml/itemProps2.xml><?xml version="1.0" encoding="utf-8"?>
+<ds:datastoreItem xmlns:ds="http://schemas.openxmlformats.org/officeDocument/2006/customXml" ds:itemID="{D470DEE3-7AF6-4D77-B7AB-A7F6B4549152}">
+  <ds:schemaRefs>
+    <ds:schemaRef ds:uri="http://schemas.microsoft.com/office/2006/metadata/properties"/>
+    <ds:schemaRef ds:uri="http://schemas.microsoft.com/office/infopath/2007/PartnerControls"/>
+    <ds:schemaRef ds:uri="http://schemas.microsoft.com/sharepoint/v3"/>
+  </ds:schemaRefs>
+</ds:datastoreItem>
+</file>
+
+<file path=customXml/itemProps3.xml><?xml version="1.0" encoding="utf-8"?>
 <ds:datastoreItem xmlns:ds="http://schemas.openxmlformats.org/officeDocument/2006/customXml" ds:itemID="{E4C833FC-B0F0-4FE4-A4DA-33A771E3AB04}">
   <ds:schemaRefs>
     <ds:schemaRef ds:uri="http://schemas.microsoft.com/office/2006/metadata/contentType"/>
@@ -23638,14 +23761,4 @@
     <ds:schemaRef ds:uri="http://schemas.microsoft.com/internal/obd"/>
   </ds:schemaRefs>
 </ds:datastoreItem>
-</file>
-
-<file path=customXml/itemProps3.xml><?xml version="1.0" encoding="utf-8"?>
-<ds:datastoreItem xmlns:ds="http://schemas.openxmlformats.org/officeDocument/2006/customXml" ds:itemID="{D470DEE3-7AF6-4D77-B7AB-A7F6B4549152}">
-  <ds:schemaRefs>
-    <ds:schemaRef ds:uri="http://schemas.microsoft.com/office/2006/metadata/properties"/>
-    <ds:schemaRef ds:uri="http://schemas.microsoft.com/office/infopath/2007/PartnerControls"/>
-    <ds:schemaRef ds:uri="http://schemas.microsoft.com/sharepoint/v3"/>
-  </ds:schemaRefs>
-</ds:datastoreItem>
 </file>
--- a/Transience in InfoSec Data - Databricks Notebook.pptx
+++ b/Transience in InfoSec Data - Databricks Notebook.pptx
@@ -132,7 +132,7 @@
 <file path=ppt/revisionInfo.xml><?xml version="1.0" encoding="utf-8"?>
 <p1510:revInfo xmlns:a="http://schemas.openxmlformats.org/drawingml/2006/main" xmlns:r="http://schemas.openxmlformats.org/officeDocument/2006/relationships" xmlns:p1510="http://schemas.microsoft.com/office/powerpoint/2015/10/main">
   <p1510:revLst>
-    <p1510:client id="{AFEE0202-40C7-4D06-BBE1-CE1F22645A1D}" v="448" dt="2020-05-08T16:28:20.697"/>
+    <p1510:client id="{AFEE0202-40C7-4D06-BBE1-CE1F22645A1D}" v="450" dt="2020-05-08T22:20:11.036"/>
   </p1510:revLst>
 </p1510:revInfo>
 </file>
@@ -142,18 +142,18 @@
   <pc:docChgLst>
     <pc:chgData name="Daniel Tetrick" userId="a2df512e-642a-440b-a947-52063eaf0d22" providerId="ADAL" clId="{AFEE0202-40C7-4D06-BBE1-CE1F22645A1D}"/>
     <pc:docChg chg="undo custSel addSld modSld">
-      <pc:chgData name="Daniel Tetrick" userId="a2df512e-642a-440b-a947-52063eaf0d22" providerId="ADAL" clId="{AFEE0202-40C7-4D06-BBE1-CE1F22645A1D}" dt="2020-05-08T16:24:54.698" v="940" actId="20577"/>
+      <pc:chgData name="Daniel Tetrick" userId="a2df512e-642a-440b-a947-52063eaf0d22" providerId="ADAL" clId="{AFEE0202-40C7-4D06-BBE1-CE1F22645A1D}" dt="2020-05-08T22:20:11.035" v="943"/>
       <pc:docMkLst>
         <pc:docMk/>
       </pc:docMkLst>
       <pc:sldChg chg="modSp mod">
-        <pc:chgData name="Daniel Tetrick" userId="a2df512e-642a-440b-a947-52063eaf0d22" providerId="ADAL" clId="{AFEE0202-40C7-4D06-BBE1-CE1F22645A1D}" dt="2020-05-08T15:22:15.090" v="112" actId="14100"/>
+        <pc:chgData name="Daniel Tetrick" userId="a2df512e-642a-440b-a947-52063eaf0d22" providerId="ADAL" clId="{AFEE0202-40C7-4D06-BBE1-CE1F22645A1D}" dt="2020-05-08T20:32:14.586" v="941" actId="6549"/>
         <pc:sldMkLst>
           <pc:docMk/>
           <pc:sldMk cId="236495545" sldId="256"/>
         </pc:sldMkLst>
         <pc:spChg chg="mod">
-          <ac:chgData name="Daniel Tetrick" userId="a2df512e-642a-440b-a947-52063eaf0d22" providerId="ADAL" clId="{AFEE0202-40C7-4D06-BBE1-CE1F22645A1D}" dt="2020-05-08T15:22:15.090" v="112" actId="14100"/>
+          <ac:chgData name="Daniel Tetrick" userId="a2df512e-642a-440b-a947-52063eaf0d22" providerId="ADAL" clId="{AFEE0202-40C7-4D06-BBE1-CE1F22645A1D}" dt="2020-05-08T20:32:14.586" v="941" actId="6549"/>
           <ac:spMkLst>
             <pc:docMk/>
             <pc:sldMk cId="236495545" sldId="256"/>
@@ -315,7 +315,7 @@
         </pc:spChg>
       </pc:sldChg>
       <pc:sldChg chg="addSp delSp modSp mod">
-        <pc:chgData name="Daniel Tetrick" userId="a2df512e-642a-440b-a947-52063eaf0d22" providerId="ADAL" clId="{AFEE0202-40C7-4D06-BBE1-CE1F22645A1D}" dt="2020-05-06T23:49:53.650" v="1"/>
+        <pc:chgData name="Daniel Tetrick" userId="a2df512e-642a-440b-a947-52063eaf0d22" providerId="ADAL" clId="{AFEE0202-40C7-4D06-BBE1-CE1F22645A1D}" dt="2020-05-08T22:20:11.035" v="943"/>
         <pc:sldMkLst>
           <pc:docMk/>
           <pc:sldMk cId="1088435405" sldId="297"/>
@@ -328,12 +328,28 @@
             <ac:spMk id="4" creationId="{E77647FB-8377-485B-93E8-333E1D3581A6}"/>
           </ac:spMkLst>
         </pc:spChg>
-        <pc:graphicFrameChg chg="add mod">
-          <ac:chgData name="Daniel Tetrick" userId="a2df512e-642a-440b-a947-52063eaf0d22" providerId="ADAL" clId="{AFEE0202-40C7-4D06-BBE1-CE1F22645A1D}" dt="2020-05-06T23:49:53.650" v="1"/>
+        <pc:spChg chg="add del mod">
+          <ac:chgData name="Daniel Tetrick" userId="a2df512e-642a-440b-a947-52063eaf0d22" providerId="ADAL" clId="{AFEE0202-40C7-4D06-BBE1-CE1F22645A1D}" dt="2020-05-08T22:20:11.035" v="943"/>
+          <ac:spMkLst>
+            <pc:docMk/>
+            <pc:sldMk cId="1088435405" sldId="297"/>
+            <ac:spMk id="4" creationId="{FF50145B-9DC1-4CE4-911B-EF2018F0F606}"/>
+          </ac:spMkLst>
+        </pc:spChg>
+        <pc:graphicFrameChg chg="add del mod">
+          <ac:chgData name="Daniel Tetrick" userId="a2df512e-642a-440b-a947-52063eaf0d22" providerId="ADAL" clId="{AFEE0202-40C7-4D06-BBE1-CE1F22645A1D}" dt="2020-05-08T22:19:30.947" v="942" actId="478"/>
           <ac:graphicFrameMkLst>
             <pc:docMk/>
             <pc:sldMk cId="1088435405" sldId="297"/>
             <ac:graphicFrameMk id="5" creationId="{4DE9F54F-28EB-49A9-A04E-0B6462BEB580}"/>
+          </ac:graphicFrameMkLst>
+        </pc:graphicFrameChg>
+        <pc:graphicFrameChg chg="add mod">
+          <ac:chgData name="Daniel Tetrick" userId="a2df512e-642a-440b-a947-52063eaf0d22" providerId="ADAL" clId="{AFEE0202-40C7-4D06-BBE1-CE1F22645A1D}" dt="2020-05-08T22:20:11.035" v="943"/>
+          <ac:graphicFrameMkLst>
+            <pc:docMk/>
+            <pc:sldMk cId="1088435405" sldId="297"/>
+            <ac:graphicFrameMk id="6" creationId="{DAF380F1-309E-484D-AA11-4E607F4D62CF}"/>
           </ac:graphicFrameMkLst>
         </pc:graphicFrameChg>
         <pc:graphicFrameChg chg="del">
@@ -787,7 +803,7 @@
           <a:p>
             <a:fld id="{B553D194-1115-4348-9E11-ACE63F3671C8}" type="slidenum">
               <a:rPr lang="en-US" smtClean="0"/>
-              <a:t>3</a:t>
+              <a:t>1</a:t>
             </a:fld>
             <a:endParaRPr lang="en-US"/>
           </a:p>
@@ -796,7 +812,7 @@
     </p:spTree>
     <p:extLst>
       <p:ext uri="{BB962C8B-B14F-4D97-AF65-F5344CB8AC3E}">
-        <p14:creationId xmlns:p14="http://schemas.microsoft.com/office/powerpoint/2010/main" val="2467415082"/>
+        <p14:creationId xmlns:p14="http://schemas.microsoft.com/office/powerpoint/2010/main" val="4004873649"/>
       </p:ext>
     </p:extLst>
   </p:cSld>
@@ -874,7 +890,7 @@
           <a:p>
             <a:fld id="{04BA324C-2C79-4114-9FAD-107937E9433D}" type="slidenum">
               <a:rPr lang="en-US" smtClean="0"/>
-              <a:t>13</a:t>
+              <a:t>10</a:t>
             </a:fld>
             <a:endParaRPr lang="en-US"/>
           </a:p>
@@ -961,6 +977,180 @@
           <a:p>
             <a:fld id="{04BA324C-2C79-4114-9FAD-107937E9433D}" type="slidenum">
               <a:rPr lang="en-US" smtClean="0"/>
+              <a:t>12</a:t>
+            </a:fld>
+            <a:endParaRPr lang="en-US"/>
+          </a:p>
+        </p:txBody>
+      </p:sp>
+    </p:spTree>
+    <p:extLst>
+      <p:ext uri="{BB962C8B-B14F-4D97-AF65-F5344CB8AC3E}">
+        <p14:creationId xmlns:p14="http://schemas.microsoft.com/office/powerpoint/2010/main" val="3983797414"/>
+      </p:ext>
+    </p:extLst>
+  </p:cSld>
+  <p:clrMapOvr>
+    <a:masterClrMapping/>
+  </p:clrMapOvr>
+</p:notes>
+</file>
+
+<file path=ppt/notesSlides/notesSlide12.xml><?xml version="1.0" encoding="utf-8"?>
+<p:notes xmlns:a="http://schemas.openxmlformats.org/drawingml/2006/main" xmlns:r="http://schemas.openxmlformats.org/officeDocument/2006/relationships" xmlns:p="http://schemas.openxmlformats.org/presentationml/2006/main">
+  <p:cSld>
+    <p:spTree>
+      <p:nvGrpSpPr>
+        <p:cNvPr id="1" name=""/>
+        <p:cNvGrpSpPr/>
+        <p:nvPr/>
+      </p:nvGrpSpPr>
+      <p:grpSpPr>
+        <a:xfrm>
+          <a:off x="0" y="0"/>
+          <a:ext cx="0" cy="0"/>
+          <a:chOff x="0" y="0"/>
+          <a:chExt cx="0" cy="0"/>
+        </a:xfrm>
+      </p:grpSpPr>
+      <p:sp>
+        <p:nvSpPr>
+          <p:cNvPr id="2" name="Slide Image Placeholder 1"/>
+          <p:cNvSpPr>
+            <a:spLocks noGrp="1" noRot="1" noChangeAspect="1"/>
+          </p:cNvSpPr>
+          <p:nvPr>
+            <p:ph type="sldImg"/>
+          </p:nvPr>
+        </p:nvSpPr>
+        <p:spPr/>
+      </p:sp>
+      <p:sp>
+        <p:nvSpPr>
+          <p:cNvPr id="3" name="Notes Placeholder 2"/>
+          <p:cNvSpPr>
+            <a:spLocks noGrp="1"/>
+          </p:cNvSpPr>
+          <p:nvPr>
+            <p:ph type="body" idx="1"/>
+          </p:nvPr>
+        </p:nvSpPr>
+        <p:spPr/>
+        <p:txBody>
+          <a:bodyPr/>
+          <a:lstStyle/>
+          <a:p>
+            <a:pPr marL="0" indent="0">
+              <a:buNone/>
+            </a:pPr>
+            <a:endParaRPr lang="en-US" dirty="0"/>
+          </a:p>
+        </p:txBody>
+      </p:sp>
+      <p:sp>
+        <p:nvSpPr>
+          <p:cNvPr id="4" name="Slide Number Placeholder 3"/>
+          <p:cNvSpPr>
+            <a:spLocks noGrp="1"/>
+          </p:cNvSpPr>
+          <p:nvPr>
+            <p:ph type="sldNum" sz="quarter" idx="5"/>
+          </p:nvPr>
+        </p:nvSpPr>
+        <p:spPr/>
+        <p:txBody>
+          <a:bodyPr/>
+          <a:lstStyle/>
+          <a:p>
+            <a:fld id="{04BA324C-2C79-4114-9FAD-107937E9433D}" type="slidenum">
+              <a:rPr lang="en-US" smtClean="0"/>
+              <a:t>13</a:t>
+            </a:fld>
+            <a:endParaRPr lang="en-US"/>
+          </a:p>
+        </p:txBody>
+      </p:sp>
+    </p:spTree>
+    <p:extLst>
+      <p:ext uri="{BB962C8B-B14F-4D97-AF65-F5344CB8AC3E}">
+        <p14:creationId xmlns:p14="http://schemas.microsoft.com/office/powerpoint/2010/main" val="3983797414"/>
+      </p:ext>
+    </p:extLst>
+  </p:cSld>
+  <p:clrMapOvr>
+    <a:masterClrMapping/>
+  </p:clrMapOvr>
+</p:notes>
+</file>
+
+<file path=ppt/notesSlides/notesSlide13.xml><?xml version="1.0" encoding="utf-8"?>
+<p:notes xmlns:a="http://schemas.openxmlformats.org/drawingml/2006/main" xmlns:r="http://schemas.openxmlformats.org/officeDocument/2006/relationships" xmlns:p="http://schemas.openxmlformats.org/presentationml/2006/main">
+  <p:cSld>
+    <p:spTree>
+      <p:nvGrpSpPr>
+        <p:cNvPr id="1" name=""/>
+        <p:cNvGrpSpPr/>
+        <p:nvPr/>
+      </p:nvGrpSpPr>
+      <p:grpSpPr>
+        <a:xfrm>
+          <a:off x="0" y="0"/>
+          <a:ext cx="0" cy="0"/>
+          <a:chOff x="0" y="0"/>
+          <a:chExt cx="0" cy="0"/>
+        </a:xfrm>
+      </p:grpSpPr>
+      <p:sp>
+        <p:nvSpPr>
+          <p:cNvPr id="2" name="Slide Image Placeholder 1"/>
+          <p:cNvSpPr>
+            <a:spLocks noGrp="1" noRot="1" noChangeAspect="1"/>
+          </p:cNvSpPr>
+          <p:nvPr>
+            <p:ph type="sldImg"/>
+          </p:nvPr>
+        </p:nvSpPr>
+        <p:spPr/>
+      </p:sp>
+      <p:sp>
+        <p:nvSpPr>
+          <p:cNvPr id="3" name="Notes Placeholder 2"/>
+          <p:cNvSpPr>
+            <a:spLocks noGrp="1"/>
+          </p:cNvSpPr>
+          <p:nvPr>
+            <p:ph type="body" idx="1"/>
+          </p:nvPr>
+        </p:nvSpPr>
+        <p:spPr/>
+        <p:txBody>
+          <a:bodyPr/>
+          <a:lstStyle/>
+          <a:p>
+            <a:pPr marL="0" indent="0">
+              <a:buNone/>
+            </a:pPr>
+            <a:endParaRPr lang="en-US" dirty="0"/>
+          </a:p>
+        </p:txBody>
+      </p:sp>
+      <p:sp>
+        <p:nvSpPr>
+          <p:cNvPr id="4" name="Slide Number Placeholder 3"/>
+          <p:cNvSpPr>
+            <a:spLocks noGrp="1"/>
+          </p:cNvSpPr>
+          <p:nvPr>
+            <p:ph type="sldNum" sz="quarter" idx="5"/>
+          </p:nvPr>
+        </p:nvSpPr>
+        <p:spPr/>
+        <p:txBody>
+          <a:bodyPr/>
+          <a:lstStyle/>
+          <a:p>
+            <a:fld id="{04BA324C-2C79-4114-9FAD-107937E9433D}" type="slidenum">
+              <a:rPr lang="en-US" smtClean="0"/>
               <a:t>14</a:t>
             </a:fld>
             <a:endParaRPr lang="en-US"/>
@@ -1045,7 +1235,7 @@
           <a:p>
             <a:fld id="{B553D194-1115-4348-9E11-ACE63F3671C8}" type="slidenum">
               <a:rPr lang="en-US" smtClean="0"/>
-              <a:t>4</a:t>
+              <a:t>2</a:t>
             </a:fld>
             <a:endParaRPr lang="en-US"/>
           </a:p>
@@ -1054,7 +1244,7 @@
     </p:spTree>
     <p:extLst>
       <p:ext uri="{BB962C8B-B14F-4D97-AF65-F5344CB8AC3E}">
-        <p14:creationId xmlns:p14="http://schemas.microsoft.com/office/powerpoint/2010/main" val="2467415082"/>
+        <p14:creationId xmlns:p14="http://schemas.microsoft.com/office/powerpoint/2010/main" val="4135986727"/>
       </p:ext>
     </p:extLst>
   </p:cSld>
@@ -1129,7 +1319,7 @@
           <a:p>
             <a:fld id="{B553D194-1115-4348-9E11-ACE63F3671C8}" type="slidenum">
               <a:rPr lang="en-US" smtClean="0"/>
-              <a:t>5</a:t>
+              <a:t>3</a:t>
             </a:fld>
             <a:endParaRPr lang="en-US"/>
           </a:p>
@@ -1138,7 +1328,7 @@
     </p:spTree>
     <p:extLst>
       <p:ext uri="{BB962C8B-B14F-4D97-AF65-F5344CB8AC3E}">
-        <p14:creationId xmlns:p14="http://schemas.microsoft.com/office/powerpoint/2010/main" val="1388765822"/>
+        <p14:creationId xmlns:p14="http://schemas.microsoft.com/office/powerpoint/2010/main" val="2467415082"/>
       </p:ext>
     </p:extLst>
   </p:cSld>
@@ -1213,7 +1403,7 @@
           <a:p>
             <a:fld id="{B553D194-1115-4348-9E11-ACE63F3671C8}" type="slidenum">
               <a:rPr lang="en-US" smtClean="0"/>
-              <a:t>6</a:t>
+              <a:t>4</a:t>
             </a:fld>
             <a:endParaRPr lang="en-US"/>
           </a:p>
@@ -1222,7 +1412,7 @@
     </p:spTree>
     <p:extLst>
       <p:ext uri="{BB962C8B-B14F-4D97-AF65-F5344CB8AC3E}">
-        <p14:creationId xmlns:p14="http://schemas.microsoft.com/office/powerpoint/2010/main" val="1388765822"/>
+        <p14:creationId xmlns:p14="http://schemas.microsoft.com/office/powerpoint/2010/main" val="2467415082"/>
       </p:ext>
     </p:extLst>
   </p:cSld>
@@ -1297,7 +1487,7 @@
           <a:p>
             <a:fld id="{B553D194-1115-4348-9E11-ACE63F3671C8}" type="slidenum">
               <a:rPr lang="en-US" smtClean="0"/>
-              <a:t>7</a:t>
+              <a:t>5</a:t>
             </a:fld>
             <a:endParaRPr lang="en-US"/>
           </a:p>
@@ -1306,7 +1496,7 @@
     </p:spTree>
     <p:extLst>
       <p:ext uri="{BB962C8B-B14F-4D97-AF65-F5344CB8AC3E}">
-        <p14:creationId xmlns:p14="http://schemas.microsoft.com/office/powerpoint/2010/main" val="279265309"/>
+        <p14:creationId xmlns:p14="http://schemas.microsoft.com/office/powerpoint/2010/main" val="1388765822"/>
       </p:ext>
     </p:extLst>
   </p:cSld>
@@ -1360,9 +1550,6 @@
           <a:bodyPr/>
           <a:lstStyle/>
           <a:p>
-            <a:pPr marL="228600" indent="-228600">
-              <a:buAutoNum type="arabicPeriod"/>
-            </a:pPr>
             <a:endParaRPr lang="en-US" dirty="0"/>
           </a:p>
         </p:txBody>
@@ -1382,9 +1569,9 @@
           <a:bodyPr/>
           <a:lstStyle/>
           <a:p>
-            <a:fld id="{04BA324C-2C79-4114-9FAD-107937E9433D}" type="slidenum">
+            <a:fld id="{B553D194-1115-4348-9E11-ACE63F3671C8}" type="slidenum">
               <a:rPr lang="en-US" smtClean="0"/>
-              <a:t>8</a:t>
+              <a:t>6</a:t>
             </a:fld>
             <a:endParaRPr lang="en-US"/>
           </a:p>
@@ -1393,7 +1580,7 @@
     </p:spTree>
     <p:extLst>
       <p:ext uri="{BB962C8B-B14F-4D97-AF65-F5344CB8AC3E}">
-        <p14:creationId xmlns:p14="http://schemas.microsoft.com/office/powerpoint/2010/main" val="775513477"/>
+        <p14:creationId xmlns:p14="http://schemas.microsoft.com/office/powerpoint/2010/main" val="1388765822"/>
       </p:ext>
     </p:extLst>
   </p:cSld>
@@ -1447,9 +1634,6 @@
           <a:bodyPr/>
           <a:lstStyle/>
           <a:p>
-            <a:pPr marL="228600" indent="-228600">
-              <a:buAutoNum type="arabicPeriod"/>
-            </a:pPr>
             <a:endParaRPr lang="en-US" dirty="0"/>
           </a:p>
         </p:txBody>
@@ -1469,9 +1653,9 @@
           <a:bodyPr/>
           <a:lstStyle/>
           <a:p>
-            <a:fld id="{04BA324C-2C79-4114-9FAD-107937E9433D}" type="slidenum">
+            <a:fld id="{B553D194-1115-4348-9E11-ACE63F3671C8}" type="slidenum">
               <a:rPr lang="en-US" smtClean="0"/>
-              <a:t>9</a:t>
+              <a:t>7</a:t>
             </a:fld>
             <a:endParaRPr lang="en-US"/>
           </a:p>
@@ -1480,7 +1664,7 @@
     </p:spTree>
     <p:extLst>
       <p:ext uri="{BB962C8B-B14F-4D97-AF65-F5344CB8AC3E}">
-        <p14:creationId xmlns:p14="http://schemas.microsoft.com/office/powerpoint/2010/main" val="2228222970"/>
+        <p14:creationId xmlns:p14="http://schemas.microsoft.com/office/powerpoint/2010/main" val="279265309"/>
       </p:ext>
     </p:extLst>
   </p:cSld>
@@ -1534,8 +1718,8 @@
           <a:bodyPr/>
           <a:lstStyle/>
           <a:p>
-            <a:pPr marL="0" indent="0">
-              <a:buNone/>
+            <a:pPr marL="228600" indent="-228600">
+              <a:buAutoNum type="arabicPeriod"/>
             </a:pPr>
             <a:endParaRPr lang="en-US" dirty="0"/>
           </a:p>
@@ -1558,7 +1742,7 @@
           <a:p>
             <a:fld id="{04BA324C-2C79-4114-9FAD-107937E9433D}" type="slidenum">
               <a:rPr lang="en-US" smtClean="0"/>
-              <a:t>10</a:t>
+              <a:t>8</a:t>
             </a:fld>
             <a:endParaRPr lang="en-US"/>
           </a:p>
@@ -1567,7 +1751,7 @@
     </p:spTree>
     <p:extLst>
       <p:ext uri="{BB962C8B-B14F-4D97-AF65-F5344CB8AC3E}">
-        <p14:creationId xmlns:p14="http://schemas.microsoft.com/office/powerpoint/2010/main" val="3983797414"/>
+        <p14:creationId xmlns:p14="http://schemas.microsoft.com/office/powerpoint/2010/main" val="775513477"/>
       </p:ext>
     </p:extLst>
   </p:cSld>
@@ -1621,8 +1805,8 @@
           <a:bodyPr/>
           <a:lstStyle/>
           <a:p>
-            <a:pPr marL="0" indent="0">
-              <a:buNone/>
+            <a:pPr marL="228600" indent="-228600">
+              <a:buAutoNum type="arabicPeriod"/>
             </a:pPr>
             <a:endParaRPr lang="en-US" dirty="0"/>
           </a:p>
@@ -1645,7 +1829,7 @@
           <a:p>
             <a:fld id="{04BA324C-2C79-4114-9FAD-107937E9433D}" type="slidenum">
               <a:rPr lang="en-US" smtClean="0"/>
-              <a:t>12</a:t>
+              <a:t>9</a:t>
             </a:fld>
             <a:endParaRPr lang="en-US"/>
           </a:p>
@@ -1654,7 +1838,7 @@
     </p:spTree>
     <p:extLst>
       <p:ext uri="{BB962C8B-B14F-4D97-AF65-F5344CB8AC3E}">
-        <p14:creationId xmlns:p14="http://schemas.microsoft.com/office/powerpoint/2010/main" val="3983797414"/>
+        <p14:creationId xmlns:p14="http://schemas.microsoft.com/office/powerpoint/2010/main" val="2228222970"/>
       </p:ext>
     </p:extLst>
   </p:cSld>
@@ -9523,7 +9707,7 @@
           <a:p>
             <a:r>
               <a:rPr lang="en-US" sz="2200" dirty="0"/>
-              <a:t>Daniel Tetrick</a:t>
+              <a:t>Dan Tetrick</a:t>
             </a:r>
           </a:p>
           <a:p>
@@ -9535,7 +9719,7 @@
           <a:p>
             <a:r>
               <a:rPr lang="en-US" sz="1800" dirty="0">
-                <a:hlinkClick r:id="rId2"/>
+                <a:hlinkClick r:id="rId3"/>
               </a:rPr>
               <a:t>datetric@Microsoft.com</a:t>
             </a:r>
@@ -9615,7 +9799,7 @@
           <p:nvPr/>
         </p:nvPicPr>
         <p:blipFill rotWithShape="1">
-          <a:blip r:embed="rId3"/>
+          <a:blip r:embed="rId4"/>
           <a:srcRect l="5015" r="21618" b="-1"/>
           <a:stretch/>
         </p:blipFill>
@@ -9803,10 +9987,10 @@
       </p:sp>
       <p:graphicFrame>
         <p:nvGraphicFramePr>
-          <p:cNvPr id="5" name="Content Placeholder 4">
+          <p:cNvPr id="6" name="Content Placeholder 5">
             <a:extLst>
               <a:ext uri="{FF2B5EF4-FFF2-40B4-BE49-F238E27FC236}">
-                <a16:creationId xmlns:a16="http://schemas.microsoft.com/office/drawing/2014/main" id="{4DE9F54F-28EB-49A9-A04E-0B6462BEB580}"/>
+                <a16:creationId xmlns:a16="http://schemas.microsoft.com/office/drawing/2014/main" id="{DAF380F1-309E-484D-AA11-4E607F4D62CF}"/>
               </a:ext>
             </a:extLst>
           </p:cNvPr>
@@ -9817,7 +10001,7 @@
             <p:ph idx="1"/>
             <p:extLst>
               <p:ext uri="{D42A27DB-BD31-4B8C-83A1-F6EECF244321}">
-                <p14:modId xmlns:p14="http://schemas.microsoft.com/office/powerpoint/2010/main" val="2445041095"/>
+                <p14:modId xmlns:p14="http://schemas.microsoft.com/office/powerpoint/2010/main" val="2333873412"/>
               </p:ext>
             </p:extLst>
           </p:nvPr>
@@ -9839,10 +10023,10 @@
                   <p:embed/>
                   <p:pic>
                     <p:nvPicPr>
-                      <p:cNvPr id="5" name="Content Placeholder 4">
+                      <p:cNvPr id="6" name="Content Placeholder 5">
                         <a:extLst>
                           <a:ext uri="{FF2B5EF4-FFF2-40B4-BE49-F238E27FC236}">
-                            <a16:creationId xmlns:a16="http://schemas.microsoft.com/office/drawing/2014/main" id="{4DE9F54F-28EB-49A9-A04E-0B6462BEB580}"/>
+                            <a16:creationId xmlns:a16="http://schemas.microsoft.com/office/drawing/2014/main" id="{DAF380F1-309E-484D-AA11-4E607F4D62CF}"/>
                           </a:ext>
                         </a:extLst>
                       </p:cNvPr>
@@ -12756,40 +12940,9 @@
             </a:r>
             <a:r>
               <a:rPr lang="en-US" sz="2000" dirty="0">
-                <a:hlinkClick r:id="rId2"/>
+                <a:hlinkClick r:id="rId3"/>
               </a:rPr>
               <a:t>github.com/</a:t>
-            </a:r>
-            <a:r>
-              <a:rPr lang="en-US" sz="2000" dirty="0" err="1">
-                <a:hlinkClick r:id="rId2"/>
-              </a:rPr>
-              <a:t>dantetrick</a:t>
-            </a:r>
-            <a:r>
-              <a:rPr lang="en-US" sz="2000" dirty="0">
-                <a:hlinkClick r:id="rId2"/>
-              </a:rPr>
-              <a:t>/</a:t>
-            </a:r>
-            <a:r>
-              <a:rPr lang="en-US" sz="2000" dirty="0" err="1">
-                <a:hlinkClick r:id="rId2"/>
-              </a:rPr>
-              <a:t>Transience_Databricks_LightGBMClassifier</a:t>
-            </a:r>
-            <a:endParaRPr lang="en-US" sz="2000" dirty="0"/>
-          </a:p>
-          <a:p>
-            <a:r>
-              <a:rPr lang="en-US" sz="2000" dirty="0"/>
-              <a:t>SOCIAL: </a:t>
-            </a:r>
-            <a:r>
-              <a:rPr lang="en-US" sz="2000" dirty="0">
-                <a:hlinkClick r:id="rId3"/>
-              </a:rPr>
-              <a:t>linkedin.com/in/</a:t>
             </a:r>
             <a:r>
               <a:rPr lang="en-US" sz="2000" dirty="0" err="1">
@@ -12800,6 +12953,37 @@
             <a:r>
               <a:rPr lang="en-US" sz="2000" dirty="0">
                 <a:hlinkClick r:id="rId3"/>
+              </a:rPr>
+              <a:t>/</a:t>
+            </a:r>
+            <a:r>
+              <a:rPr lang="en-US" sz="2000" dirty="0" err="1">
+                <a:hlinkClick r:id="rId3"/>
+              </a:rPr>
+              <a:t>Transience_Databricks_LightGBMClassifier</a:t>
+            </a:r>
+            <a:endParaRPr lang="en-US" sz="2000" dirty="0"/>
+          </a:p>
+          <a:p>
+            <a:r>
+              <a:rPr lang="en-US" sz="2000" dirty="0"/>
+              <a:t>SOCIAL: </a:t>
+            </a:r>
+            <a:r>
+              <a:rPr lang="en-US" sz="2000" dirty="0">
+                <a:hlinkClick r:id="rId4"/>
+              </a:rPr>
+              <a:t>linkedin.com/in/</a:t>
+            </a:r>
+            <a:r>
+              <a:rPr lang="en-US" sz="2000" dirty="0" err="1">
+                <a:hlinkClick r:id="rId4"/>
+              </a:rPr>
+              <a:t>dantetrick</a:t>
+            </a:r>
+            <a:r>
+              <a:rPr lang="en-US" sz="2000" dirty="0">
+                <a:hlinkClick r:id="rId4"/>
               </a:rPr>
               <a:t>/</a:t>
             </a:r>
@@ -23480,21 +23664,21 @@
 </file>
 
 <file path=customXml/item1.xml><?xml version="1.0" encoding="utf-8"?>
+<p:properties xmlns:p="http://schemas.microsoft.com/office/2006/metadata/properties" xmlns:xsi="http://www.w3.org/2001/XMLSchema-instance" xmlns:pc="http://schemas.microsoft.com/office/infopath/2007/PartnerControls">
+  <documentManagement>
+    <_ip_UnifiedCompliancePolicyUIAction xmlns="http://schemas.microsoft.com/sharepoint/v3" xsi:nil="true"/>
+    <_ip_UnifiedCompliancePolicyProperties xmlns="http://schemas.microsoft.com/sharepoint/v3" xsi:nil="true"/>
+  </documentManagement>
+</p:properties>
+</file>
+
+<file path=customXml/item2.xml><?xml version="1.0" encoding="utf-8"?>
 <?mso-contentType ?>
 <FormTemplates xmlns="http://schemas.microsoft.com/sharepoint/v3/contenttype/forms">
   <Display>DocumentLibraryForm</Display>
   <Edit>DocumentLibraryForm</Edit>
   <New>DocumentLibraryForm</New>
 </FormTemplates>
-</file>
-
-<file path=customXml/item2.xml><?xml version="1.0" encoding="utf-8"?>
-<p:properties xmlns:p="http://schemas.microsoft.com/office/2006/metadata/properties" xmlns:xsi="http://www.w3.org/2001/XMLSchema-instance" xmlns:pc="http://schemas.microsoft.com/office/infopath/2007/PartnerControls">
-  <documentManagement>
-    <_ip_UnifiedCompliancePolicyUIAction xmlns="http://schemas.microsoft.com/sharepoint/v3" xsi:nil="true"/>
-    <_ip_UnifiedCompliancePolicyProperties xmlns="http://schemas.microsoft.com/sharepoint/v3" xsi:nil="true"/>
-  </documentManagement>
-</p:properties>
 </file>
 
 <file path=customXml/item3.xml><?xml version="1.0" encoding="utf-8"?>
@@ -23726,19 +23910,19 @@
 </file>
 
 <file path=customXml/itemProps1.xml><?xml version="1.0" encoding="utf-8"?>
-<ds:datastoreItem xmlns:ds="http://schemas.openxmlformats.org/officeDocument/2006/customXml" ds:itemID="{54522581-00FD-40DA-93C0-609EF42E68A1}">
+<ds:datastoreItem xmlns:ds="http://schemas.openxmlformats.org/officeDocument/2006/customXml" ds:itemID="{D470DEE3-7AF6-4D77-B7AB-A7F6B4549152}">
   <ds:schemaRefs>
-    <ds:schemaRef ds:uri="http://schemas.microsoft.com/sharepoint/v3/contenttype/forms"/>
+    <ds:schemaRef ds:uri="http://schemas.microsoft.com/office/2006/metadata/properties"/>
+    <ds:schemaRef ds:uri="http://schemas.microsoft.com/office/infopath/2007/PartnerControls"/>
+    <ds:schemaRef ds:uri="http://schemas.microsoft.com/sharepoint/v3"/>
   </ds:schemaRefs>
 </ds:datastoreItem>
 </file>
 
 <file path=customXml/itemProps2.xml><?xml version="1.0" encoding="utf-8"?>
-<ds:datastoreItem xmlns:ds="http://schemas.openxmlformats.org/officeDocument/2006/customXml" ds:itemID="{D470DEE3-7AF6-4D77-B7AB-A7F6B4549152}">
+<ds:datastoreItem xmlns:ds="http://schemas.openxmlformats.org/officeDocument/2006/customXml" ds:itemID="{54522581-00FD-40DA-93C0-609EF42E68A1}">
   <ds:schemaRefs>
-    <ds:schemaRef ds:uri="http://schemas.microsoft.com/office/2006/metadata/properties"/>
-    <ds:schemaRef ds:uri="http://schemas.microsoft.com/office/infopath/2007/PartnerControls"/>
-    <ds:schemaRef ds:uri="http://schemas.microsoft.com/sharepoint/v3"/>
+    <ds:schemaRef ds:uri="http://schemas.microsoft.com/sharepoint/v3/contenttype/forms"/>
   </ds:schemaRefs>
 </ds:datastoreItem>
 </file>
